--- a/documentation/Cobra presentation.pptx
+++ b/documentation/Cobra presentation.pptx
@@ -5,22 +5,24 @@
     <p:sldMasterId id="2147483648" r:id="rId4"/>
   </p:sldMasterIdLst>
   <p:notesMasterIdLst>
-    <p:notesMasterId r:id="rId15"/>
+    <p:notesMasterId r:id="rId17"/>
   </p:notesMasterIdLst>
   <p:handoutMasterIdLst>
-    <p:handoutMasterId r:id="rId16"/>
+    <p:handoutMasterId r:id="rId18"/>
   </p:handoutMasterIdLst>
   <p:sldIdLst>
     <p:sldId id="256" r:id="rId5"/>
-    <p:sldId id="257" r:id="rId6"/>
-    <p:sldId id="261" r:id="rId7"/>
+    <p:sldId id="261" r:id="rId6"/>
+    <p:sldId id="257" r:id="rId7"/>
     <p:sldId id="287" r:id="rId8"/>
     <p:sldId id="286" r:id="rId9"/>
     <p:sldId id="290" r:id="rId10"/>
     <p:sldId id="291" r:id="rId11"/>
-    <p:sldId id="288" r:id="rId12"/>
-    <p:sldId id="292" r:id="rId13"/>
-    <p:sldId id="268" r:id="rId14"/>
+    <p:sldId id="293" r:id="rId12"/>
+    <p:sldId id="294" r:id="rId13"/>
+    <p:sldId id="288" r:id="rId14"/>
+    <p:sldId id="295" r:id="rId15"/>
+    <p:sldId id="268" r:id="rId16"/>
   </p:sldIdLst>
   <p:sldSz cx="12192000" cy="6858000"/>
   <p:notesSz cx="6858000" cy="9144000"/>
@@ -2799,7 +2801,7 @@
           <a:p>
             <a:fld id="{1CA5457B-CDAE-4DEB-AEC8-C82DE2312E37}" type="datetimeFigureOut">
               <a:rPr lang="en-US" smtClean="0"/>
-              <a:t>5/12/2023</a:t>
+              <a:t>5/15/2023</a:t>
             </a:fld>
             <a:endParaRPr lang="en-US" dirty="0"/>
           </a:p>
@@ -2976,7 +2978,7 @@
           <a:p>
             <a:fld id="{090B78EA-28CE-41D8-9043-90E391E5F567}" type="datetimeFigureOut">
               <a:rPr lang="en-US" noProof="0" smtClean="0"/>
-              <a:t>5/12/2023</a:t>
+              <a:t>5/15/2023</a:t>
             </a:fld>
             <a:endParaRPr lang="en-US" noProof="0" dirty="0"/>
           </a:p>
@@ -3287,27 +3289,7 @@
           <a:bodyPr/>
           <a:lstStyle/>
           <a:p>
-            <a:r>
-              <a:rPr lang="sv-SE" noProof="0" dirty="0"/>
-              <a:t>Om du inte gillar att leta efter det saknade semikolonet på rad 38 I ditt program på 23 rader eller om du inte orkar skriva ut parenteser i </a:t>
-            </a:r>
-            <a:r>
-              <a:rPr lang="sv-SE" noProof="0" dirty="0" err="1"/>
-              <a:t>if</a:t>
-            </a:r>
-            <a:r>
-              <a:rPr lang="sv-SE" noProof="0" dirty="0"/>
-              <a:t>-satser eller loopar men fortfarande vill ha ett hårt typat språk.</a:t>
-            </a:r>
-          </a:p>
-          <a:p>
             <a:endParaRPr lang="sv-SE" noProof="0" dirty="0"/>
-          </a:p>
-          <a:p>
-            <a:r>
-              <a:rPr lang="sv-SE" noProof="0" dirty="0"/>
-              <a:t>Cobra är för programmeraren som gillar hart typade språk som C++ men inte gillar att leta efter det saknade semikolonet på rad 38 i ett program på 23 rader.</a:t>
-            </a:r>
           </a:p>
         </p:txBody>
       </p:sp>
@@ -3328,7 +3310,7 @@
           <a:p>
             <a:fld id="{1734D747-9380-41EE-9946-EC9EC0CA5D1E}" type="slidenum">
               <a:rPr lang="en-US" noProof="0" smtClean="0"/>
-              <a:t>2</a:t>
+              <a:t>3</a:t>
             </a:fld>
             <a:endParaRPr lang="en-US" noProof="0" dirty="0"/>
           </a:p>
@@ -3425,90 +3407,6 @@
     <p:extLst>
       <p:ext uri="{BB962C8B-B14F-4D97-AF65-F5344CB8AC3E}">
         <p14:creationId xmlns:p14="http://schemas.microsoft.com/office/powerpoint/2010/main" val="2119457438"/>
-      </p:ext>
-    </p:extLst>
-  </p:cSld>
-  <p:clrMapOvr>
-    <a:masterClrMapping/>
-  </p:clrMapOvr>
-</p:notes>
-</file>
-
-<file path=ppt/notesSlides/notesSlide3.xml><?xml version="1.0" encoding="utf-8"?>
-<p:notes xmlns:a="http://schemas.openxmlformats.org/drawingml/2006/main" xmlns:r="http://schemas.openxmlformats.org/officeDocument/2006/relationships" xmlns:p="http://schemas.openxmlformats.org/presentationml/2006/main">
-  <p:cSld>
-    <p:spTree>
-      <p:nvGrpSpPr>
-        <p:cNvPr id="1" name=""/>
-        <p:cNvGrpSpPr/>
-        <p:nvPr/>
-      </p:nvGrpSpPr>
-      <p:grpSpPr>
-        <a:xfrm>
-          <a:off x="0" y="0"/>
-          <a:ext cx="0" cy="0"/>
-          <a:chOff x="0" y="0"/>
-          <a:chExt cx="0" cy="0"/>
-        </a:xfrm>
-      </p:grpSpPr>
-      <p:sp>
-        <p:nvSpPr>
-          <p:cNvPr id="2" name="Slide Image Placeholder 1"/>
-          <p:cNvSpPr>
-            <a:spLocks noGrp="1" noRot="1" noChangeAspect="1"/>
-          </p:cNvSpPr>
-          <p:nvPr>
-            <p:ph type="sldImg"/>
-          </p:nvPr>
-        </p:nvSpPr>
-        <p:spPr/>
-      </p:sp>
-      <p:sp>
-        <p:nvSpPr>
-          <p:cNvPr id="3" name="Notes Placeholder 2"/>
-          <p:cNvSpPr>
-            <a:spLocks noGrp="1"/>
-          </p:cNvSpPr>
-          <p:nvPr>
-            <p:ph type="body" idx="1"/>
-          </p:nvPr>
-        </p:nvSpPr>
-        <p:spPr/>
-        <p:txBody>
-          <a:bodyPr/>
-          <a:lstStyle/>
-          <a:p>
-            <a:endParaRPr lang="sv-SE" noProof="0" dirty="0"/>
-          </a:p>
-        </p:txBody>
-      </p:sp>
-      <p:sp>
-        <p:nvSpPr>
-          <p:cNvPr id="4" name="Slide Number Placeholder 3"/>
-          <p:cNvSpPr>
-            <a:spLocks noGrp="1"/>
-          </p:cNvSpPr>
-          <p:nvPr>
-            <p:ph type="sldNum" sz="quarter" idx="5"/>
-          </p:nvPr>
-        </p:nvSpPr>
-        <p:spPr/>
-        <p:txBody>
-          <a:bodyPr/>
-          <a:lstStyle/>
-          <a:p>
-            <a:fld id="{1734D747-9380-41EE-9946-EC9EC0CA5D1E}" type="slidenum">
-              <a:rPr lang="en-US" noProof="0" smtClean="0"/>
-              <a:t>9</a:t>
-            </a:fld>
-            <a:endParaRPr lang="en-US" noProof="0" dirty="0"/>
-          </a:p>
-        </p:txBody>
-      </p:sp>
-    </p:spTree>
-    <p:extLst>
-      <p:ext uri="{BB962C8B-B14F-4D97-AF65-F5344CB8AC3E}">
-        <p14:creationId xmlns:p14="http://schemas.microsoft.com/office/powerpoint/2010/main" val="4100225390"/>
       </p:ext>
     </p:extLst>
   </p:cSld>
@@ -28417,6 +28315,290 @@
           <p:cNvPr id="2" name="Title 1">
             <a:extLst>
               <a:ext uri="{FF2B5EF4-FFF2-40B4-BE49-F238E27FC236}">
+                <a16:creationId xmlns:a16="http://schemas.microsoft.com/office/drawing/2014/main" id="{B2125DFF-0AB8-DC62-AA36-B0878F6A6E05}"/>
+              </a:ext>
+            </a:extLst>
+          </p:cNvPr>
+          <p:cNvSpPr>
+            <a:spLocks noGrp="1"/>
+          </p:cNvSpPr>
+          <p:nvPr>
+            <p:ph type="title"/>
+          </p:nvPr>
+        </p:nvSpPr>
+        <p:spPr/>
+        <p:txBody>
+          <a:bodyPr/>
+          <a:lstStyle/>
+          <a:p>
+            <a:r>
+              <a:rPr lang="en-US" dirty="0" err="1"/>
+              <a:t>Exempel</a:t>
+            </a:r>
+            <a:r>
+              <a:rPr lang="en-US" dirty="0"/>
+              <a:t> </a:t>
+            </a:r>
+            <a:r>
+              <a:rPr lang="en-US" dirty="0" err="1"/>
+              <a:t>på</a:t>
+            </a:r>
+            <a:r>
+              <a:rPr lang="en-US" dirty="0"/>
+              <a:t> </a:t>
+            </a:r>
+            <a:r>
+              <a:rPr lang="en-US" dirty="0" err="1"/>
+              <a:t>klass</a:t>
+            </a:r>
+            <a:endParaRPr lang="en-SE" dirty="0"/>
+          </a:p>
+        </p:txBody>
+      </p:sp>
+      <p:sp>
+        <p:nvSpPr>
+          <p:cNvPr id="3" name="Slide Number Placeholder 2">
+            <a:extLst>
+              <a:ext uri="{FF2B5EF4-FFF2-40B4-BE49-F238E27FC236}">
+                <a16:creationId xmlns:a16="http://schemas.microsoft.com/office/drawing/2014/main" id="{3BA1D8EE-3067-DED2-C7B4-199A88468303}"/>
+              </a:ext>
+            </a:extLst>
+          </p:cNvPr>
+          <p:cNvSpPr>
+            <a:spLocks noGrp="1"/>
+          </p:cNvSpPr>
+          <p:nvPr>
+            <p:ph type="sldNum" sz="quarter" idx="12"/>
+          </p:nvPr>
+        </p:nvSpPr>
+        <p:spPr/>
+        <p:txBody>
+          <a:bodyPr/>
+          <a:lstStyle/>
+          <a:p>
+            <a:fld id="{C263D6C4-4840-40CC-AC84-17E24B3B7BDE}" type="slidenum">
+              <a:rPr lang="en-US" noProof="0" smtClean="0"/>
+              <a:pPr/>
+              <a:t>10</a:t>
+            </a:fld>
+            <a:endParaRPr lang="en-US" noProof="0" dirty="0"/>
+          </a:p>
+        </p:txBody>
+      </p:sp>
+      <p:sp>
+        <p:nvSpPr>
+          <p:cNvPr id="5" name="Content Placeholder 4">
+            <a:extLst>
+              <a:ext uri="{FF2B5EF4-FFF2-40B4-BE49-F238E27FC236}">
+                <a16:creationId xmlns:a16="http://schemas.microsoft.com/office/drawing/2014/main" id="{7C9AFFFB-6D78-FF07-8E45-2D7F5265D714}"/>
+              </a:ext>
+            </a:extLst>
+          </p:cNvPr>
+          <p:cNvSpPr>
+            <a:spLocks noGrp="1"/>
+          </p:cNvSpPr>
+          <p:nvPr>
+            <p:ph idx="1"/>
+          </p:nvPr>
+        </p:nvSpPr>
+        <p:spPr/>
+        <p:txBody>
+          <a:bodyPr/>
+          <a:lstStyle/>
+          <a:p>
+            <a:endParaRPr lang="en-SE"/>
+          </a:p>
+        </p:txBody>
+      </p:sp>
+    </p:spTree>
+    <p:extLst>
+      <p:ext uri="{BB962C8B-B14F-4D97-AF65-F5344CB8AC3E}">
+        <p14:creationId xmlns:p14="http://schemas.microsoft.com/office/powerpoint/2010/main" val="2694305780"/>
+      </p:ext>
+    </p:extLst>
+  </p:cSld>
+  <p:clrMapOvr>
+    <a:masterClrMapping/>
+  </p:clrMapOvr>
+  <mc:AlternateContent xmlns:mc="http://schemas.openxmlformats.org/markup-compatibility/2006" xmlns:p14="http://schemas.microsoft.com/office/powerpoint/2010/main">
+    <mc:Choice Requires="p14">
+      <p:transition spd="med" p14:dur="700">
+        <p:fade/>
+      </p:transition>
+    </mc:Choice>
+    <mc:Fallback xmlns="">
+      <p:transition spd="med">
+        <p:fade/>
+      </p:transition>
+    </mc:Fallback>
+  </mc:AlternateContent>
+</p:sld>
+</file>
+
+<file path=ppt/slides/slide11.xml><?xml version="1.0" encoding="utf-8"?>
+<p:sld xmlns:a="http://schemas.openxmlformats.org/drawingml/2006/main" xmlns:r="http://schemas.openxmlformats.org/officeDocument/2006/relationships" xmlns:p="http://schemas.openxmlformats.org/presentationml/2006/main">
+  <p:cSld>
+    <p:spTree>
+      <p:nvGrpSpPr>
+        <p:cNvPr id="1" name=""/>
+        <p:cNvGrpSpPr/>
+        <p:nvPr/>
+      </p:nvGrpSpPr>
+      <p:grpSpPr>
+        <a:xfrm>
+          <a:off x="0" y="0"/>
+          <a:ext cx="0" cy="0"/>
+          <a:chOff x="0" y="0"/>
+          <a:chExt cx="0" cy="0"/>
+        </a:xfrm>
+      </p:grpSpPr>
+      <p:sp>
+        <p:nvSpPr>
+          <p:cNvPr id="2" name="Title 1">
+            <a:extLst>
+              <a:ext uri="{FF2B5EF4-FFF2-40B4-BE49-F238E27FC236}">
+                <a16:creationId xmlns:a16="http://schemas.microsoft.com/office/drawing/2014/main" id="{EA3D1FAB-3847-1273-A7F0-E7E08EB1C4DB}"/>
+              </a:ext>
+            </a:extLst>
+          </p:cNvPr>
+          <p:cNvSpPr>
+            <a:spLocks noGrp="1"/>
+          </p:cNvSpPr>
+          <p:nvPr>
+            <p:ph type="title"/>
+          </p:nvPr>
+        </p:nvSpPr>
+        <p:spPr/>
+        <p:txBody>
+          <a:bodyPr/>
+          <a:lstStyle/>
+          <a:p>
+            <a:r>
+              <a:rPr lang="en-US" dirty="0" err="1"/>
+              <a:t>Exempel</a:t>
+            </a:r>
+            <a:r>
+              <a:rPr lang="en-US" dirty="0"/>
+              <a:t> </a:t>
+            </a:r>
+            <a:r>
+              <a:rPr lang="en-US" dirty="0" err="1"/>
+              <a:t>på</a:t>
+            </a:r>
+            <a:r>
+              <a:rPr lang="en-US" dirty="0"/>
+              <a:t> </a:t>
+            </a:r>
+            <a:r>
+              <a:rPr lang="en-US" dirty="0" err="1"/>
+              <a:t>funktion</a:t>
+            </a:r>
+            <a:endParaRPr lang="en-SE" dirty="0"/>
+          </a:p>
+        </p:txBody>
+      </p:sp>
+      <p:sp>
+        <p:nvSpPr>
+          <p:cNvPr id="3" name="Slide Number Placeholder 2">
+            <a:extLst>
+              <a:ext uri="{FF2B5EF4-FFF2-40B4-BE49-F238E27FC236}">
+                <a16:creationId xmlns:a16="http://schemas.microsoft.com/office/drawing/2014/main" id="{BFB1AEEE-F1E8-9F57-4A7B-941CCF88617D}"/>
+              </a:ext>
+            </a:extLst>
+          </p:cNvPr>
+          <p:cNvSpPr>
+            <a:spLocks noGrp="1"/>
+          </p:cNvSpPr>
+          <p:nvPr>
+            <p:ph type="sldNum" sz="quarter" idx="12"/>
+          </p:nvPr>
+        </p:nvSpPr>
+        <p:spPr/>
+        <p:txBody>
+          <a:bodyPr/>
+          <a:lstStyle/>
+          <a:p>
+            <a:fld id="{C263D6C4-4840-40CC-AC84-17E24B3B7BDE}" type="slidenum">
+              <a:rPr lang="en-US" noProof="0" smtClean="0"/>
+              <a:pPr/>
+              <a:t>11</a:t>
+            </a:fld>
+            <a:endParaRPr lang="en-US" noProof="0" dirty="0"/>
+          </a:p>
+        </p:txBody>
+      </p:sp>
+      <p:sp>
+        <p:nvSpPr>
+          <p:cNvPr id="4" name="Content Placeholder 3">
+            <a:extLst>
+              <a:ext uri="{FF2B5EF4-FFF2-40B4-BE49-F238E27FC236}">
+                <a16:creationId xmlns:a16="http://schemas.microsoft.com/office/drawing/2014/main" id="{6EAAFFCF-CE34-8EAE-881B-B24520D5ABC5}"/>
+              </a:ext>
+            </a:extLst>
+          </p:cNvPr>
+          <p:cNvSpPr>
+            <a:spLocks noGrp="1"/>
+          </p:cNvSpPr>
+          <p:nvPr>
+            <p:ph idx="1"/>
+          </p:nvPr>
+        </p:nvSpPr>
+        <p:spPr/>
+        <p:txBody>
+          <a:bodyPr/>
+          <a:lstStyle/>
+          <a:p>
+            <a:endParaRPr lang="en-SE"/>
+          </a:p>
+        </p:txBody>
+      </p:sp>
+    </p:spTree>
+    <p:extLst>
+      <p:ext uri="{BB962C8B-B14F-4D97-AF65-F5344CB8AC3E}">
+        <p14:creationId xmlns:p14="http://schemas.microsoft.com/office/powerpoint/2010/main" val="844815458"/>
+      </p:ext>
+    </p:extLst>
+  </p:cSld>
+  <p:clrMapOvr>
+    <a:masterClrMapping/>
+  </p:clrMapOvr>
+  <mc:AlternateContent xmlns:mc="http://schemas.openxmlformats.org/markup-compatibility/2006">
+    <mc:Choice xmlns:p14="http://schemas.microsoft.com/office/powerpoint/2010/main" Requires="p14">
+      <p:transition spd="med" p14:dur="700">
+        <p:fade/>
+      </p:transition>
+    </mc:Choice>
+    <mc:Fallback>
+      <p:transition spd="med">
+        <p:fade/>
+      </p:transition>
+    </mc:Fallback>
+  </mc:AlternateContent>
+</p:sld>
+</file>
+
+<file path=ppt/slides/slide12.xml><?xml version="1.0" encoding="utf-8"?>
+<p:sld xmlns:a="http://schemas.openxmlformats.org/drawingml/2006/main" xmlns:r="http://schemas.openxmlformats.org/officeDocument/2006/relationships" xmlns:p="http://schemas.openxmlformats.org/presentationml/2006/main">
+  <p:cSld>
+    <p:spTree>
+      <p:nvGrpSpPr>
+        <p:cNvPr id="1" name=""/>
+        <p:cNvGrpSpPr/>
+        <p:nvPr/>
+      </p:nvGrpSpPr>
+      <p:grpSpPr>
+        <a:xfrm>
+          <a:off x="0" y="0"/>
+          <a:ext cx="0" cy="0"/>
+          <a:chOff x="0" y="0"/>
+          <a:chExt cx="0" cy="0"/>
+        </a:xfrm>
+      </p:grpSpPr>
+      <p:sp>
+        <p:nvSpPr>
+          <p:cNvPr id="2" name="Title 1">
+            <a:extLst>
+              <a:ext uri="{FF2B5EF4-FFF2-40B4-BE49-F238E27FC236}">
                 <a16:creationId xmlns:a16="http://schemas.microsoft.com/office/drawing/2014/main" id="{632BE5BF-9922-45FB-8F3F-4446D40A051B}"/>
               </a:ext>
             </a:extLst>
@@ -28483,7 +28665,7 @@
           <p:cNvPr id="4" name="Title 3">
             <a:extLst>
               <a:ext uri="{FF2B5EF4-FFF2-40B4-BE49-F238E27FC236}">
-                <a16:creationId xmlns:a16="http://schemas.microsoft.com/office/drawing/2014/main" id="{E3BD8413-C238-49D7-A4E1-E8FEF1811A0E}"/>
+                <a16:creationId xmlns:a16="http://schemas.microsoft.com/office/drawing/2014/main" id="{315E3981-F0D7-482C-A8E0-6A57700BECA7}"/>
               </a:ext>
             </a:extLst>
           </p:cNvPr>
@@ -28501,144 +28683,7 @@
           <a:p>
             <a:r>
               <a:rPr lang="en-US" dirty="0"/>
-              <a:t>Vem </a:t>
-            </a:r>
-            <a:r>
-              <a:rPr lang="en-US" dirty="0" err="1"/>
-              <a:t>är</a:t>
-            </a:r>
-            <a:r>
-              <a:rPr lang="en-US" dirty="0"/>
-              <a:t> Cobra för?</a:t>
-            </a:r>
-          </a:p>
-        </p:txBody>
-      </p:sp>
-      <p:sp>
-        <p:nvSpPr>
-          <p:cNvPr id="5" name="Text Placeholder 4">
-            <a:extLst>
-              <a:ext uri="{FF2B5EF4-FFF2-40B4-BE49-F238E27FC236}">
-                <a16:creationId xmlns:a16="http://schemas.microsoft.com/office/drawing/2014/main" id="{0A95F4DE-39B7-4CE2-BC1E-8B8AE662A895}"/>
-              </a:ext>
-            </a:extLst>
-          </p:cNvPr>
-          <p:cNvSpPr>
-            <a:spLocks noGrp="1"/>
-          </p:cNvSpPr>
-          <p:nvPr>
-            <p:ph type="body" idx="1"/>
-          </p:nvPr>
-        </p:nvSpPr>
-        <p:spPr/>
-        <p:txBody>
-          <a:bodyPr/>
-          <a:lstStyle/>
-          <a:p>
-            <a:endParaRPr lang="en-US" dirty="0"/>
-          </a:p>
-        </p:txBody>
-      </p:sp>
-      <p:sp>
-        <p:nvSpPr>
-          <p:cNvPr id="2" name="Slide Number Placeholder 1">
-            <a:extLst>
-              <a:ext uri="{FF2B5EF4-FFF2-40B4-BE49-F238E27FC236}">
-                <a16:creationId xmlns:a16="http://schemas.microsoft.com/office/drawing/2014/main" id="{0B24BF10-2B55-43AB-9F77-F1A1410384A9}"/>
-              </a:ext>
-            </a:extLst>
-          </p:cNvPr>
-          <p:cNvSpPr>
-            <a:spLocks noGrp="1"/>
-          </p:cNvSpPr>
-          <p:nvPr>
-            <p:ph type="sldNum" sz="quarter" idx="12"/>
-          </p:nvPr>
-        </p:nvSpPr>
-        <p:spPr/>
-        <p:txBody>
-          <a:bodyPr/>
-          <a:lstStyle/>
-          <a:p>
-            <a:fld id="{C263D6C4-4840-40CC-AC84-17E24B3B7BDE}" type="slidenum">
-              <a:rPr lang="en-US" smtClean="0"/>
-              <a:pPr/>
-              <a:t>2</a:t>
-            </a:fld>
-            <a:endParaRPr lang="en-US" dirty="0"/>
-          </a:p>
-        </p:txBody>
-      </p:sp>
-    </p:spTree>
-    <p:extLst>
-      <p:ext uri="{BB962C8B-B14F-4D97-AF65-F5344CB8AC3E}">
-        <p14:creationId xmlns:p14="http://schemas.microsoft.com/office/powerpoint/2010/main" val="2902794312"/>
-      </p:ext>
-    </p:extLst>
-  </p:cSld>
-  <p:clrMapOvr>
-    <a:masterClrMapping/>
-  </p:clrMapOvr>
-  <mc:AlternateContent xmlns:mc="http://schemas.openxmlformats.org/markup-compatibility/2006" xmlns:p14="http://schemas.microsoft.com/office/powerpoint/2010/main">
-    <mc:Choice Requires="p14">
-      <p:transition spd="med" p14:dur="700">
-        <p:fade/>
-      </p:transition>
-    </mc:Choice>
-    <mc:Fallback xmlns="">
-      <p:transition spd="med">
-        <p:fade/>
-      </p:transition>
-    </mc:Fallback>
-  </mc:AlternateContent>
-</p:sld>
-</file>
-
-<file path=ppt/slides/slide3.xml><?xml version="1.0" encoding="utf-8"?>
-<p:sld xmlns:a="http://schemas.openxmlformats.org/drawingml/2006/main" xmlns:r="http://schemas.openxmlformats.org/officeDocument/2006/relationships" xmlns:p="http://schemas.openxmlformats.org/presentationml/2006/main">
-  <p:cSld>
-    <p:spTree>
-      <p:nvGrpSpPr>
-        <p:cNvPr id="1" name=""/>
-        <p:cNvGrpSpPr/>
-        <p:nvPr/>
-      </p:nvGrpSpPr>
-      <p:grpSpPr>
-        <a:xfrm>
-          <a:off x="0" y="0"/>
-          <a:ext cx="0" cy="0"/>
-          <a:chOff x="0" y="0"/>
-          <a:chExt cx="0" cy="0"/>
-        </a:xfrm>
-      </p:grpSpPr>
-      <p:sp>
-        <p:nvSpPr>
-          <p:cNvPr id="4" name="Title 3">
-            <a:extLst>
-              <a:ext uri="{FF2B5EF4-FFF2-40B4-BE49-F238E27FC236}">
-                <a16:creationId xmlns:a16="http://schemas.microsoft.com/office/drawing/2014/main" id="{315E3981-F0D7-482C-A8E0-6A57700BECA7}"/>
-              </a:ext>
-            </a:extLst>
-          </p:cNvPr>
-          <p:cNvSpPr>
-            <a:spLocks noGrp="1"/>
-          </p:cNvSpPr>
-          <p:nvPr>
-            <p:ph type="title"/>
-          </p:nvPr>
-        </p:nvSpPr>
-        <p:spPr/>
-        <p:txBody>
-          <a:bodyPr/>
-          <a:lstStyle/>
-          <a:p>
-            <a:r>
-              <a:rPr lang="en-US" dirty="0" err="1"/>
-              <a:t>Insperation</a:t>
-            </a:r>
-            <a:r>
-              <a:rPr lang="en-US" dirty="0"/>
-              <a:t> till Cobra</a:t>
+              <a:t>Inspiration till Cobra</a:t>
             </a:r>
           </a:p>
         </p:txBody>
@@ -28667,7 +28712,7 @@
             <a:fld id="{C263D6C4-4840-40CC-AC84-17E24B3B7BDE}" type="slidenum">
               <a:rPr lang="en-US" smtClean="0"/>
               <a:pPr/>
-              <a:t>3</a:t>
+              <a:t>2</a:t>
             </a:fld>
             <a:endParaRPr lang="en-US" dirty="0"/>
           </a:p>
@@ -28787,6 +28832,16 @@
             </a:r>
             <a:endParaRPr lang="en-US" dirty="0"/>
           </a:p>
+          <a:p>
+            <a:r>
+              <a:rPr lang="en-US" dirty="0" err="1"/>
+              <a:t>Använder</a:t>
+            </a:r>
+            <a:r>
+              <a:rPr lang="en-US" dirty="0"/>
+              <a:t> block</a:t>
+            </a:r>
+          </a:p>
         </p:txBody>
       </p:sp>
       <p:sp>
@@ -28853,6 +28908,139 @@
     <p:extLst>
       <p:ext uri="{BB962C8B-B14F-4D97-AF65-F5344CB8AC3E}">
         <p14:creationId xmlns:p14="http://schemas.microsoft.com/office/powerpoint/2010/main" val="3607270498"/>
+      </p:ext>
+    </p:extLst>
+  </p:cSld>
+  <p:clrMapOvr>
+    <a:masterClrMapping/>
+  </p:clrMapOvr>
+  <mc:AlternateContent xmlns:mc="http://schemas.openxmlformats.org/markup-compatibility/2006" xmlns:p14="http://schemas.microsoft.com/office/powerpoint/2010/main">
+    <mc:Choice Requires="p14">
+      <p:transition spd="med" p14:dur="700">
+        <p:fade/>
+      </p:transition>
+    </mc:Choice>
+    <mc:Fallback xmlns="">
+      <p:transition spd="med">
+        <p:fade/>
+      </p:transition>
+    </mc:Fallback>
+  </mc:AlternateContent>
+</p:sld>
+</file>
+
+<file path=ppt/slides/slide3.xml><?xml version="1.0" encoding="utf-8"?>
+<p:sld xmlns:a="http://schemas.openxmlformats.org/drawingml/2006/main" xmlns:r="http://schemas.openxmlformats.org/officeDocument/2006/relationships" xmlns:p="http://schemas.openxmlformats.org/presentationml/2006/main">
+  <p:cSld>
+    <p:spTree>
+      <p:nvGrpSpPr>
+        <p:cNvPr id="1" name=""/>
+        <p:cNvGrpSpPr/>
+        <p:nvPr/>
+      </p:nvGrpSpPr>
+      <p:grpSpPr>
+        <a:xfrm>
+          <a:off x="0" y="0"/>
+          <a:ext cx="0" cy="0"/>
+          <a:chOff x="0" y="0"/>
+          <a:chExt cx="0" cy="0"/>
+        </a:xfrm>
+      </p:grpSpPr>
+      <p:sp>
+        <p:nvSpPr>
+          <p:cNvPr id="4" name="Title 3">
+            <a:extLst>
+              <a:ext uri="{FF2B5EF4-FFF2-40B4-BE49-F238E27FC236}">
+                <a16:creationId xmlns:a16="http://schemas.microsoft.com/office/drawing/2014/main" id="{E3BD8413-C238-49D7-A4E1-E8FEF1811A0E}"/>
+              </a:ext>
+            </a:extLst>
+          </p:cNvPr>
+          <p:cNvSpPr>
+            <a:spLocks noGrp="1"/>
+          </p:cNvSpPr>
+          <p:nvPr>
+            <p:ph type="title"/>
+          </p:nvPr>
+        </p:nvSpPr>
+        <p:spPr/>
+        <p:txBody>
+          <a:bodyPr/>
+          <a:lstStyle/>
+          <a:p>
+            <a:r>
+              <a:rPr lang="en-US" dirty="0"/>
+              <a:t>Vem </a:t>
+            </a:r>
+            <a:r>
+              <a:rPr lang="en-US" dirty="0" err="1"/>
+              <a:t>är</a:t>
+            </a:r>
+            <a:r>
+              <a:rPr lang="en-US" dirty="0"/>
+              <a:t> Cobra för?</a:t>
+            </a:r>
+          </a:p>
+        </p:txBody>
+      </p:sp>
+      <p:sp>
+        <p:nvSpPr>
+          <p:cNvPr id="5" name="Text Placeholder 4">
+            <a:extLst>
+              <a:ext uri="{FF2B5EF4-FFF2-40B4-BE49-F238E27FC236}">
+                <a16:creationId xmlns:a16="http://schemas.microsoft.com/office/drawing/2014/main" id="{0A95F4DE-39B7-4CE2-BC1E-8B8AE662A895}"/>
+              </a:ext>
+            </a:extLst>
+          </p:cNvPr>
+          <p:cNvSpPr>
+            <a:spLocks noGrp="1"/>
+          </p:cNvSpPr>
+          <p:nvPr>
+            <p:ph type="body" idx="1"/>
+          </p:nvPr>
+        </p:nvSpPr>
+        <p:spPr/>
+        <p:txBody>
+          <a:bodyPr/>
+          <a:lstStyle/>
+          <a:p>
+            <a:endParaRPr lang="en-US" dirty="0"/>
+          </a:p>
+        </p:txBody>
+      </p:sp>
+      <p:sp>
+        <p:nvSpPr>
+          <p:cNvPr id="2" name="Slide Number Placeholder 1">
+            <a:extLst>
+              <a:ext uri="{FF2B5EF4-FFF2-40B4-BE49-F238E27FC236}">
+                <a16:creationId xmlns:a16="http://schemas.microsoft.com/office/drawing/2014/main" id="{0B24BF10-2B55-43AB-9F77-F1A1410384A9}"/>
+              </a:ext>
+            </a:extLst>
+          </p:cNvPr>
+          <p:cNvSpPr>
+            <a:spLocks noGrp="1"/>
+          </p:cNvSpPr>
+          <p:nvPr>
+            <p:ph type="sldNum" sz="quarter" idx="12"/>
+          </p:nvPr>
+        </p:nvSpPr>
+        <p:spPr/>
+        <p:txBody>
+          <a:bodyPr/>
+          <a:lstStyle/>
+          <a:p>
+            <a:fld id="{C263D6C4-4840-40CC-AC84-17E24B3B7BDE}" type="slidenum">
+              <a:rPr lang="en-US" smtClean="0"/>
+              <a:pPr/>
+              <a:t>3</a:t>
+            </a:fld>
+            <a:endParaRPr lang="en-US" dirty="0"/>
+          </a:p>
+        </p:txBody>
+      </p:sp>
+    </p:spTree>
+    <p:extLst>
+      <p:ext uri="{BB962C8B-B14F-4D97-AF65-F5344CB8AC3E}">
+        <p14:creationId xmlns:p14="http://schemas.microsoft.com/office/powerpoint/2010/main" val="2902794312"/>
       </p:ext>
     </p:extLst>
   </p:cSld>
@@ -29121,13 +29309,13 @@
   <p:clrMapOvr>
     <a:masterClrMapping/>
   </p:clrMapOvr>
-  <mc:AlternateContent xmlns:mc="http://schemas.openxmlformats.org/markup-compatibility/2006">
-    <mc:Choice xmlns:p14="http://schemas.microsoft.com/office/powerpoint/2010/main" Requires="p14">
+  <mc:AlternateContent xmlns:mc="http://schemas.openxmlformats.org/markup-compatibility/2006" xmlns:p14="http://schemas.microsoft.com/office/powerpoint/2010/main">
+    <mc:Choice Requires="p14">
       <p:transition spd="med" p14:dur="700">
         <p:fade/>
       </p:transition>
     </mc:Choice>
-    <mc:Fallback>
+    <mc:Fallback xmlns="">
       <p:transition spd="med">
         <p:fade/>
       </p:transition>
@@ -29544,7 +29732,7 @@
           <a:p>
             <a:r>
               <a:rPr lang="en-US" dirty="0" err="1"/>
-              <a:t>Syntaxträd</a:t>
+              <a:t>Bakom</a:t>
             </a:r>
             <a:r>
               <a:rPr lang="en-US" dirty="0"/>
@@ -29552,12 +29740,9 @@
             </a:r>
             <a:r>
               <a:rPr lang="en-US" dirty="0" err="1"/>
-              <a:t>och</a:t>
+              <a:t>kulisserna</a:t>
             </a:r>
-            <a:r>
-              <a:rPr lang="en-US" dirty="0"/>
-              <a:t> Runtime</a:t>
-            </a:r>
+            <a:endParaRPr lang="en-US" dirty="0"/>
           </a:p>
         </p:txBody>
       </p:sp>
@@ -29679,14 +29864,60 @@
           <a:lstStyle/>
           <a:p>
             <a:r>
-              <a:rPr lang="en-US" dirty="0"/>
+              <a:rPr lang="sv-SE" dirty="0"/>
               <a:t>Expressions</a:t>
             </a:r>
           </a:p>
           <a:p>
+            <a:pPr lvl="1"/>
             <a:r>
-              <a:rPr lang="en-US" dirty="0"/>
+              <a:rPr lang="sv-SE" dirty="0"/>
+              <a:t>Binära-uttryck</a:t>
+            </a:r>
+          </a:p>
+          <a:p>
+            <a:pPr lvl="1"/>
+            <a:r>
+              <a:rPr lang="sv-SE" dirty="0" err="1"/>
+              <a:t>Unära</a:t>
+            </a:r>
+            <a:r>
+              <a:rPr lang="sv-SE" dirty="0"/>
+              <a:t>-uttryck</a:t>
+            </a:r>
+          </a:p>
+          <a:p>
+            <a:pPr lvl="1"/>
+            <a:r>
+              <a:rPr lang="sv-SE" dirty="0"/>
+              <a:t>Funktionsanrop</a:t>
+            </a:r>
+          </a:p>
+          <a:p>
+            <a:r>
+              <a:rPr lang="sv-SE" dirty="0"/>
               <a:t>Statements</a:t>
+            </a:r>
+          </a:p>
+          <a:p>
+            <a:pPr lvl="1"/>
+            <a:r>
+              <a:rPr lang="sv-SE" dirty="0"/>
+              <a:t>Funktionsdeklarationer</a:t>
+            </a:r>
+          </a:p>
+          <a:p>
+            <a:pPr lvl="1"/>
+            <a:r>
+              <a:rPr lang="sv-SE" dirty="0"/>
+              <a:t>Klass-deklarationer</a:t>
+            </a:r>
+          </a:p>
+          <a:p>
+            <a:pPr lvl="1"/>
+            <a:r>
+              <a:rPr lang="sv-SE" dirty="0"/>
+              <a:t>Loopar</a:t>
             </a:r>
           </a:p>
         </p:txBody>
@@ -29723,11 +29954,49 @@
             <a:endParaRPr lang="en-US" dirty="0"/>
           </a:p>
           <a:p>
+            <a:pPr lvl="1"/>
+            <a:r>
+              <a:rPr lang="en-US" dirty="0"/>
+              <a:t>Number-</a:t>
+            </a:r>
+            <a:r>
+              <a:rPr lang="en-US" dirty="0" err="1"/>
+              <a:t>val</a:t>
+            </a:r>
+            <a:endParaRPr lang="en-US" dirty="0"/>
+          </a:p>
+          <a:p>
+            <a:pPr lvl="1"/>
+            <a:r>
+              <a:rPr lang="en-US" dirty="0"/>
+              <a:t>Array-</a:t>
+            </a:r>
+            <a:r>
+              <a:rPr lang="en-US" dirty="0" err="1"/>
+              <a:t>val</a:t>
+            </a:r>
+            <a:endParaRPr lang="en-US" dirty="0"/>
+          </a:p>
+          <a:p>
             <a:r>
               <a:rPr lang="en-US" dirty="0" err="1"/>
               <a:t>Interagerbara</a:t>
             </a:r>
             <a:endParaRPr lang="en-US" dirty="0"/>
+          </a:p>
+          <a:p>
+            <a:pPr lvl="1"/>
+            <a:r>
+              <a:rPr lang="en-US" dirty="0"/>
+              <a:t>1.type()</a:t>
+            </a:r>
+          </a:p>
+          <a:p>
+            <a:pPr lvl="1"/>
+            <a:r>
+              <a:rPr lang="en-US" dirty="0"/>
+              <a:t>[1, 2, 3].length()</a:t>
+            </a:r>
           </a:p>
         </p:txBody>
       </p:sp>
@@ -29902,56 +30171,64 @@
           </a:p>
         </p:txBody>
       </p:sp>
-      <p:sp>
-        <p:nvSpPr>
-          <p:cNvPr id="6" name="Content Placeholder 5">
+      <p:pic>
+        <p:nvPicPr>
+          <p:cNvPr id="19" name="Content Placeholder 18">
             <a:extLst>
               <a:ext uri="{FF2B5EF4-FFF2-40B4-BE49-F238E27FC236}">
-                <a16:creationId xmlns:a16="http://schemas.microsoft.com/office/drawing/2014/main" id="{556C8765-1E42-438D-7764-9FC687048CAB}"/>
+                <a16:creationId xmlns:a16="http://schemas.microsoft.com/office/drawing/2014/main" id="{5B138729-4752-0A9D-73FA-079DB0D89C77}"/>
               </a:ext>
             </a:extLst>
           </p:cNvPr>
-          <p:cNvSpPr>
-            <a:spLocks noGrp="1"/>
-          </p:cNvSpPr>
+          <p:cNvPicPr>
+            <a:picLocks noGrp="1" noChangeAspect="1"/>
+          </p:cNvPicPr>
+          <p:nvPr>
+            <p:ph sz="quarter" idx="4"/>
+          </p:nvPr>
+        </p:nvPicPr>
+        <p:blipFill>
+          <a:blip r:embed="rId2"/>
+          <a:stretch>
+            <a:fillRect/>
+          </a:stretch>
+        </p:blipFill>
+        <p:spPr>
+          <a:xfrm>
+            <a:off x="7907112" y="3086829"/>
+            <a:ext cx="2556034" cy="2455258"/>
+          </a:xfrm>
+        </p:spPr>
+      </p:pic>
+      <p:pic>
+        <p:nvPicPr>
+          <p:cNvPr id="17" name="Content Placeholder 16">
+            <a:extLst>
+              <a:ext uri="{FF2B5EF4-FFF2-40B4-BE49-F238E27FC236}">
+                <a16:creationId xmlns:a16="http://schemas.microsoft.com/office/drawing/2014/main" id="{531DD2CC-9DE1-53AA-D370-0F6F252C2792}"/>
+              </a:ext>
+            </a:extLst>
+          </p:cNvPr>
+          <p:cNvPicPr>
+            <a:picLocks noGrp="1" noChangeAspect="1"/>
+          </p:cNvPicPr>
           <p:nvPr>
             <p:ph sz="half" idx="2"/>
           </p:nvPr>
-        </p:nvSpPr>
-        <p:spPr/>
-        <p:txBody>
-          <a:bodyPr/>
-          <a:lstStyle/>
-          <a:p>
-            <a:endParaRPr lang="en-SE"/>
-          </a:p>
-        </p:txBody>
-      </p:sp>
-      <p:sp>
-        <p:nvSpPr>
-          <p:cNvPr id="7" name="Content Placeholder 6">
-            <a:extLst>
-              <a:ext uri="{FF2B5EF4-FFF2-40B4-BE49-F238E27FC236}">
-                <a16:creationId xmlns:a16="http://schemas.microsoft.com/office/drawing/2014/main" id="{904ECCD1-607C-0D23-041D-78C8C94AFA0D}"/>
-              </a:ext>
-            </a:extLst>
-          </p:cNvPr>
-          <p:cNvSpPr>
-            <a:spLocks noGrp="1"/>
-          </p:cNvSpPr>
-          <p:nvPr>
-            <p:ph sz="quarter" idx="4"/>
-          </p:nvPr>
-        </p:nvSpPr>
-        <p:spPr/>
-        <p:txBody>
-          <a:bodyPr/>
-          <a:lstStyle/>
-          <a:p>
-            <a:endParaRPr lang="en-SE"/>
-          </a:p>
-        </p:txBody>
-      </p:sp>
+        </p:nvPicPr>
+        <p:blipFill>
+          <a:blip r:embed="rId3"/>
+          <a:stretch>
+            <a:fillRect/>
+          </a:stretch>
+        </p:blipFill>
+        <p:spPr>
+          <a:xfrm>
+            <a:off x="1029391" y="3086829"/>
+            <a:ext cx="3988005" cy="2521080"/>
+          </a:xfrm>
+        </p:spPr>
+      </p:pic>
     </p:spTree>
     <p:extLst>
       <p:ext uri="{BB962C8B-B14F-4D97-AF65-F5344CB8AC3E}">
@@ -29962,13 +30239,13 @@
   <p:clrMapOvr>
     <a:masterClrMapping/>
   </p:clrMapOvr>
-  <mc:AlternateContent xmlns:mc="http://schemas.openxmlformats.org/markup-compatibility/2006">
-    <mc:Choice xmlns:p14="http://schemas.microsoft.com/office/powerpoint/2010/main" Requires="p14">
+  <mc:AlternateContent xmlns:mc="http://schemas.openxmlformats.org/markup-compatibility/2006" xmlns:p14="http://schemas.microsoft.com/office/powerpoint/2010/main">
+    <mc:Choice Requires="p14">
       <p:transition spd="med" p14:dur="700">
         <p:fade/>
       </p:transition>
     </mc:Choice>
-    <mc:Fallback>
+    <mc:Fallback xmlns="">
       <p:transition spd="med">
         <p:fade/>
       </p:transition>
@@ -29999,7 +30276,7 @@
           <p:cNvPr id="2" name="Title 1">
             <a:extLst>
               <a:ext uri="{FF2B5EF4-FFF2-40B4-BE49-F238E27FC236}">
-                <a16:creationId xmlns:a16="http://schemas.microsoft.com/office/drawing/2014/main" id="{B2125DFF-0AB8-DC62-AA36-B0878F6A6E05}"/>
+                <a16:creationId xmlns:a16="http://schemas.microsoft.com/office/drawing/2014/main" id="{2DA58292-5621-32D2-7231-08AACD8BFBE9}"/>
               </a:ext>
             </a:extLst>
           </p:cNvPr>
@@ -30017,7 +30294,7 @@
           <a:p>
             <a:r>
               <a:rPr lang="en-US" dirty="0" err="1"/>
-              <a:t>Exempel</a:t>
+              <a:t>Hur</a:t>
             </a:r>
             <a:r>
               <a:rPr lang="en-US" dirty="0"/>
@@ -30025,15 +30302,19 @@
             </a:r>
             <a:r>
               <a:rPr lang="en-US" dirty="0" err="1"/>
-              <a:t>på</a:t>
+              <a:t>blev</a:t>
             </a:r>
             <a:r>
               <a:rPr lang="en-US" dirty="0"/>
-              <a:t> </a:t>
+              <a:t> det </a:t>
             </a:r>
             <a:r>
               <a:rPr lang="en-US" dirty="0" err="1"/>
-              <a:t>klass</a:t>
+              <a:t>då</a:t>
+            </a:r>
+            <a:r>
+              <a:rPr lang="en-US" dirty="0"/>
+              <a:t>?</a:t>
             </a:r>
             <a:endParaRPr lang="en-SE" dirty="0"/>
           </a:p>
@@ -30044,7 +30325,7 @@
           <p:cNvPr id="3" name="Slide Number Placeholder 2">
             <a:extLst>
               <a:ext uri="{FF2B5EF4-FFF2-40B4-BE49-F238E27FC236}">
-                <a16:creationId xmlns:a16="http://schemas.microsoft.com/office/drawing/2014/main" id="{3BA1D8EE-3067-DED2-C7B4-199A88468303}"/>
+                <a16:creationId xmlns:a16="http://schemas.microsoft.com/office/drawing/2014/main" id="{47345451-746E-C965-F884-F76BA3E4855B}"/>
               </a:ext>
             </a:extLst>
           </p:cNvPr>
@@ -30071,10 +30352,10 @@
       </p:sp>
       <p:sp>
         <p:nvSpPr>
-          <p:cNvPr id="5" name="Content Placeholder 4">
+          <p:cNvPr id="4" name="Text Placeholder 3">
             <a:extLst>
               <a:ext uri="{FF2B5EF4-FFF2-40B4-BE49-F238E27FC236}">
-                <a16:creationId xmlns:a16="http://schemas.microsoft.com/office/drawing/2014/main" id="{7C9AFFFB-6D78-FF07-8E45-2D7F5265D714}"/>
+                <a16:creationId xmlns:a16="http://schemas.microsoft.com/office/drawing/2014/main" id="{A2825DEA-8AA8-5208-E9F4-0C5631C2E4E8}"/>
               </a:ext>
             </a:extLst>
           </p:cNvPr>
@@ -30082,7 +30363,7 @@
             <a:spLocks noGrp="1"/>
           </p:cNvSpPr>
           <p:nvPr>
-            <p:ph idx="1"/>
+            <p:ph type="body" idx="1"/>
           </p:nvPr>
         </p:nvSpPr>
         <p:spPr/>
@@ -30090,14 +30371,192 @@
           <a:bodyPr/>
           <a:lstStyle/>
           <a:p>
-            <a:endParaRPr lang="en-SE"/>
+            <a:r>
+              <a:rPr lang="en-US" dirty="0"/>
+              <a:t>Problem?</a:t>
+            </a:r>
+            <a:endParaRPr lang="en-SE" dirty="0"/>
+          </a:p>
+        </p:txBody>
+      </p:sp>
+      <p:sp>
+        <p:nvSpPr>
+          <p:cNvPr id="5" name="Text Placeholder 4">
+            <a:extLst>
+              <a:ext uri="{FF2B5EF4-FFF2-40B4-BE49-F238E27FC236}">
+                <a16:creationId xmlns:a16="http://schemas.microsoft.com/office/drawing/2014/main" id="{1F7D65EE-11B4-469B-0A6A-E43380592F99}"/>
+              </a:ext>
+            </a:extLst>
+          </p:cNvPr>
+          <p:cNvSpPr>
+            <a:spLocks noGrp="1"/>
+          </p:cNvSpPr>
+          <p:nvPr>
+            <p:ph type="body" sz="quarter" idx="3"/>
+          </p:nvPr>
+        </p:nvSpPr>
+        <p:spPr/>
+        <p:txBody>
+          <a:bodyPr/>
+          <a:lstStyle/>
+          <a:p>
+            <a:r>
+              <a:rPr lang="en-US" dirty="0" err="1"/>
+              <a:t>Resultat</a:t>
+            </a:r>
+            <a:endParaRPr lang="en-SE" dirty="0"/>
+          </a:p>
+        </p:txBody>
+      </p:sp>
+      <p:sp>
+        <p:nvSpPr>
+          <p:cNvPr id="6" name="Content Placeholder 5">
+            <a:extLst>
+              <a:ext uri="{FF2B5EF4-FFF2-40B4-BE49-F238E27FC236}">
+                <a16:creationId xmlns:a16="http://schemas.microsoft.com/office/drawing/2014/main" id="{F559FC04-EB38-6BB9-706F-33BB6BB36C13}"/>
+              </a:ext>
+            </a:extLst>
+          </p:cNvPr>
+          <p:cNvSpPr>
+            <a:spLocks noGrp="1"/>
+          </p:cNvSpPr>
+          <p:nvPr>
+            <p:ph sz="half" idx="2"/>
+          </p:nvPr>
+        </p:nvSpPr>
+        <p:spPr/>
+        <p:txBody>
+          <a:bodyPr/>
+          <a:lstStyle/>
+          <a:p>
+            <a:r>
+              <a:rPr lang="en-US" dirty="0"/>
+              <a:t>Array </a:t>
+            </a:r>
+            <a:r>
+              <a:rPr lang="en-US" dirty="0" err="1"/>
+              <a:t>kan</a:t>
+            </a:r>
+            <a:r>
+              <a:rPr lang="en-US" dirty="0"/>
+              <a:t> </a:t>
+            </a:r>
+            <a:r>
+              <a:rPr lang="en-US" dirty="0" err="1"/>
+              <a:t>inte</a:t>
+            </a:r>
+            <a:r>
+              <a:rPr lang="en-US" dirty="0"/>
+              <a:t> </a:t>
+            </a:r>
+            <a:r>
+              <a:rPr lang="en-US" dirty="0" err="1"/>
+              <a:t>innehålla</a:t>
+            </a:r>
+            <a:r>
+              <a:rPr lang="en-US" dirty="0"/>
+              <a:t> </a:t>
+            </a:r>
+            <a:r>
+              <a:rPr lang="en-US" dirty="0" err="1"/>
+              <a:t>arrayer</a:t>
+            </a:r>
+            <a:endParaRPr lang="en-US" dirty="0"/>
+          </a:p>
+        </p:txBody>
+      </p:sp>
+      <p:sp>
+        <p:nvSpPr>
+          <p:cNvPr id="7" name="Content Placeholder 6">
+            <a:extLst>
+              <a:ext uri="{FF2B5EF4-FFF2-40B4-BE49-F238E27FC236}">
+                <a16:creationId xmlns:a16="http://schemas.microsoft.com/office/drawing/2014/main" id="{0B70860E-97D7-9150-5BAE-0A5EFC2135A8}"/>
+              </a:ext>
+            </a:extLst>
+          </p:cNvPr>
+          <p:cNvSpPr>
+            <a:spLocks noGrp="1"/>
+          </p:cNvSpPr>
+          <p:nvPr>
+            <p:ph sz="quarter" idx="4"/>
+          </p:nvPr>
+        </p:nvSpPr>
+        <p:spPr/>
+        <p:txBody>
+          <a:bodyPr/>
+          <a:lstStyle/>
+          <a:p>
+            <a:r>
+              <a:rPr lang="en-US" dirty="0" err="1"/>
+              <a:t>Problemen</a:t>
+            </a:r>
+            <a:r>
+              <a:rPr lang="en-US" dirty="0"/>
+              <a:t> </a:t>
+            </a:r>
+            <a:r>
+              <a:rPr lang="en-US" dirty="0" err="1"/>
+              <a:t>enkla</a:t>
+            </a:r>
+            <a:r>
+              <a:rPr lang="en-US" dirty="0"/>
+              <a:t> </a:t>
+            </a:r>
+            <a:r>
+              <a:rPr lang="en-US" dirty="0" err="1"/>
+              <a:t>att</a:t>
+            </a:r>
+            <a:r>
+              <a:rPr lang="en-US" dirty="0"/>
+              <a:t> </a:t>
+            </a:r>
+            <a:r>
+              <a:rPr lang="en-US" dirty="0" err="1"/>
+              <a:t>lösa</a:t>
+            </a:r>
+            <a:r>
+              <a:rPr lang="en-US" dirty="0"/>
+              <a:t> med </a:t>
+            </a:r>
+            <a:r>
+              <a:rPr lang="en-US" dirty="0" err="1"/>
+              <a:t>mer</a:t>
+            </a:r>
+            <a:r>
+              <a:rPr lang="en-US" dirty="0"/>
+              <a:t> </a:t>
+            </a:r>
+            <a:r>
+              <a:rPr lang="en-US" dirty="0" err="1"/>
+              <a:t>tid</a:t>
+            </a:r>
+            <a:endParaRPr lang="en-US" dirty="0"/>
+          </a:p>
+          <a:p>
+            <a:pPr lvl="1"/>
+            <a:r>
+              <a:rPr lang="en-US" dirty="0" err="1"/>
+              <a:t>Fixa</a:t>
+            </a:r>
+            <a:r>
+              <a:rPr lang="en-US" dirty="0"/>
+              <a:t> </a:t>
+            </a:r>
+            <a:r>
+              <a:rPr lang="en-US" dirty="0" err="1"/>
+              <a:t>konvertering</a:t>
+            </a:r>
+            <a:endParaRPr lang="en-US" dirty="0"/>
+          </a:p>
+          <a:p>
+            <a:endParaRPr lang="en-US" dirty="0"/>
           </a:p>
         </p:txBody>
       </p:sp>
     </p:spTree>
     <p:extLst>
       <p:ext uri="{BB962C8B-B14F-4D97-AF65-F5344CB8AC3E}">
-        <p14:creationId xmlns:p14="http://schemas.microsoft.com/office/powerpoint/2010/main" val="2694305780"/>
+        <p14:creationId xmlns:p14="http://schemas.microsoft.com/office/powerpoint/2010/main" val="3921427663"/>
       </p:ext>
     </p:extLst>
   </p:cSld>
@@ -30138,10 +30597,65 @@
       </p:grpSpPr>
       <p:sp>
         <p:nvSpPr>
+          <p:cNvPr id="2" name="Text Placeholder 1">
+            <a:extLst>
+              <a:ext uri="{FF2B5EF4-FFF2-40B4-BE49-F238E27FC236}">
+                <a16:creationId xmlns:a16="http://schemas.microsoft.com/office/drawing/2014/main" id="{48083730-68EB-A636-B394-E887F2E6101C}"/>
+              </a:ext>
+            </a:extLst>
+          </p:cNvPr>
+          <p:cNvSpPr>
+            <a:spLocks noGrp="1"/>
+          </p:cNvSpPr>
+          <p:nvPr>
+            <p:ph type="body" idx="1"/>
+          </p:nvPr>
+        </p:nvSpPr>
+        <p:spPr/>
+        <p:txBody>
+          <a:bodyPr/>
+          <a:lstStyle/>
+          <a:p>
+            <a:endParaRPr lang="en-SE"/>
+          </a:p>
+        </p:txBody>
+      </p:sp>
+      <p:sp>
+        <p:nvSpPr>
+          <p:cNvPr id="3" name="Slide Number Placeholder 2">
+            <a:extLst>
+              <a:ext uri="{FF2B5EF4-FFF2-40B4-BE49-F238E27FC236}">
+                <a16:creationId xmlns:a16="http://schemas.microsoft.com/office/drawing/2014/main" id="{07B23ADD-0C7C-275F-0599-3B85D8C265B7}"/>
+              </a:ext>
+            </a:extLst>
+          </p:cNvPr>
+          <p:cNvSpPr>
+            <a:spLocks noGrp="1"/>
+          </p:cNvSpPr>
+          <p:nvPr>
+            <p:ph type="sldNum" sz="quarter" idx="12"/>
+          </p:nvPr>
+        </p:nvSpPr>
+        <p:spPr/>
+        <p:txBody>
+          <a:bodyPr/>
+          <a:lstStyle/>
+          <a:p>
+            <a:fld id="{C263D6C4-4840-40CC-AC84-17E24B3B7BDE}" type="slidenum">
+              <a:rPr lang="en-US" noProof="0" smtClean="0"/>
+              <a:pPr/>
+              <a:t>9</a:t>
+            </a:fld>
+            <a:endParaRPr lang="en-US" noProof="0" dirty="0"/>
+          </a:p>
+        </p:txBody>
+      </p:sp>
+      <p:sp>
+        <p:nvSpPr>
           <p:cNvPr id="4" name="Title 3">
             <a:extLst>
               <a:ext uri="{FF2B5EF4-FFF2-40B4-BE49-F238E27FC236}">
-                <a16:creationId xmlns:a16="http://schemas.microsoft.com/office/drawing/2014/main" id="{E3BD8413-C238-49D7-A4E1-E8FEF1811A0E}"/>
+                <a16:creationId xmlns:a16="http://schemas.microsoft.com/office/drawing/2014/main" id="{B1A3A6BD-1F64-27CB-2BA9-0960F32B112C}"/>
               </a:ext>
             </a:extLst>
           </p:cNvPr>
@@ -30158,84 +30672,30 @@
           <a:lstStyle/>
           <a:p>
             <a:r>
-              <a:rPr lang="en-US" dirty="0"/>
-              <a:t>Demonstration</a:t>
+              <a:rPr lang="en-US" dirty="0" err="1"/>
+              <a:t>Kodexempel</a:t>
             </a:r>
-          </a:p>
-        </p:txBody>
-      </p:sp>
-      <p:sp>
-        <p:nvSpPr>
-          <p:cNvPr id="5" name="Text Placeholder 4">
-            <a:extLst>
-              <a:ext uri="{FF2B5EF4-FFF2-40B4-BE49-F238E27FC236}">
-                <a16:creationId xmlns:a16="http://schemas.microsoft.com/office/drawing/2014/main" id="{0A95F4DE-39B7-4CE2-BC1E-8B8AE662A895}"/>
-              </a:ext>
-            </a:extLst>
-          </p:cNvPr>
-          <p:cNvSpPr>
-            <a:spLocks noGrp="1"/>
-          </p:cNvSpPr>
-          <p:nvPr>
-            <p:ph type="body" idx="1"/>
-          </p:nvPr>
-        </p:nvSpPr>
-        <p:spPr/>
-        <p:txBody>
-          <a:bodyPr/>
-          <a:lstStyle/>
-          <a:p>
-            <a:endParaRPr lang="en-US" dirty="0"/>
-          </a:p>
-        </p:txBody>
-      </p:sp>
-      <p:sp>
-        <p:nvSpPr>
-          <p:cNvPr id="2" name="Slide Number Placeholder 1">
-            <a:extLst>
-              <a:ext uri="{FF2B5EF4-FFF2-40B4-BE49-F238E27FC236}">
-                <a16:creationId xmlns:a16="http://schemas.microsoft.com/office/drawing/2014/main" id="{0B24BF10-2B55-43AB-9F77-F1A1410384A9}"/>
-              </a:ext>
-            </a:extLst>
-          </p:cNvPr>
-          <p:cNvSpPr>
-            <a:spLocks noGrp="1"/>
-          </p:cNvSpPr>
-          <p:nvPr>
-            <p:ph type="sldNum" sz="quarter" idx="12"/>
-          </p:nvPr>
-        </p:nvSpPr>
-        <p:spPr/>
-        <p:txBody>
-          <a:bodyPr/>
-          <a:lstStyle/>
-          <a:p>
-            <a:fld id="{C263D6C4-4840-40CC-AC84-17E24B3B7BDE}" type="slidenum">
-              <a:rPr lang="en-US" smtClean="0"/>
-              <a:pPr/>
-              <a:t>9</a:t>
-            </a:fld>
-            <a:endParaRPr lang="en-US" dirty="0"/>
+            <a:endParaRPr lang="en-SE" dirty="0"/>
           </a:p>
         </p:txBody>
       </p:sp>
     </p:spTree>
     <p:extLst>
       <p:ext uri="{BB962C8B-B14F-4D97-AF65-F5344CB8AC3E}">
-        <p14:creationId xmlns:p14="http://schemas.microsoft.com/office/powerpoint/2010/main" val="3557146251"/>
+        <p14:creationId xmlns:p14="http://schemas.microsoft.com/office/powerpoint/2010/main" val="3341977506"/>
       </p:ext>
     </p:extLst>
   </p:cSld>
   <p:clrMapOvr>
     <a:masterClrMapping/>
   </p:clrMapOvr>
-  <mc:AlternateContent xmlns:mc="http://schemas.openxmlformats.org/markup-compatibility/2006" xmlns:p14="http://schemas.microsoft.com/office/powerpoint/2010/main">
-    <mc:Choice Requires="p14">
+  <mc:AlternateContent xmlns:mc="http://schemas.openxmlformats.org/markup-compatibility/2006">
+    <mc:Choice xmlns:p14="http://schemas.microsoft.com/office/powerpoint/2010/main" Requires="p14">
       <p:transition spd="med" p14:dur="700">
         <p:fade/>
       </p:transition>
     </mc:Choice>
-    <mc:Fallback xmlns="">
+    <mc:Fallback>
       <p:transition spd="med">
         <p:fade/>
       </p:transition>
@@ -31036,15 +31496,6 @@
 </file>
 
 <file path=customXml/item1.xml><?xml version="1.0" encoding="utf-8"?>
-<?mso-contentType ?>
-<FormTemplates xmlns="http://schemas.microsoft.com/sharepoint/v3/contenttype/forms">
-  <Display>DocumentLibraryForm</Display>
-  <Edit>DocumentLibraryForm</Edit>
-  <New>DocumentLibraryForm</New>
-</FormTemplates>
-</file>
-
-<file path=customXml/item2.xml><?xml version="1.0" encoding="utf-8"?>
 <ct:contentTypeSchema xmlns:ct="http://schemas.microsoft.com/office/2006/metadata/contentType" xmlns:ma="http://schemas.microsoft.com/office/2006/metadata/properties/metaAttributes" ct:_="" ma:_="" ma:contentTypeName="Document" ma:contentTypeID="0x01010079F111ED35F8CC479449609E8A0923A6" ma:contentTypeVersion="11" ma:contentTypeDescription="Create a new document." ma:contentTypeScope="" ma:versionID="96291512c1ee715ab617f4c07df79fc1">
   <xsd:schema xmlns:xsd="http://www.w3.org/2001/XMLSchema" xmlns:xs="http://www.w3.org/2001/XMLSchema" xmlns:p="http://schemas.microsoft.com/office/2006/metadata/properties" xmlns:ns2="71af3243-3dd4-4a8d-8c0d-dd76da1f02a5" xmlns:ns3="16c05727-aa75-4e4a-9b5f-8a80a1165891" targetNamespace="http://schemas.microsoft.com/office/2006/metadata/properties" ma:root="true" ma:fieldsID="8256c27c40ca5c40ce1cf6c44f0205df" ns2:_="" ns3:_="">
     <xsd:import namespace="71af3243-3dd4-4a8d-8c0d-dd76da1f02a5"/>
@@ -31255,6 +31706,15 @@
 </ct:contentTypeSchema>
 </file>
 
+<file path=customXml/item2.xml><?xml version="1.0" encoding="utf-8"?>
+<?mso-contentType ?>
+<FormTemplates xmlns="http://schemas.microsoft.com/sharepoint/v3/contenttype/forms">
+  <Display>DocumentLibraryForm</Display>
+  <Edit>DocumentLibraryForm</Edit>
+  <New>DocumentLibraryForm</New>
+</FormTemplates>
+</file>
+
 <file path=customXml/item3.xml><?xml version="1.0" encoding="utf-8"?>
 <p:properties xmlns:p="http://schemas.microsoft.com/office/2006/metadata/properties" xmlns:xsi="http://www.w3.org/2001/XMLSchema-instance" xmlns:pc="http://schemas.microsoft.com/office/infopath/2007/PartnerControls">
   <documentManagement>
@@ -31264,14 +31724,6 @@
 </file>
 
 <file path=customXml/itemProps1.xml><?xml version="1.0" encoding="utf-8"?>
-<ds:datastoreItem xmlns:ds="http://schemas.openxmlformats.org/officeDocument/2006/customXml" ds:itemID="{5B26E0C9-B2AA-42E6-97B6-E1B7D9EAF129}">
-  <ds:schemaRefs>
-    <ds:schemaRef ds:uri="http://schemas.microsoft.com/sharepoint/v3/contenttype/forms"/>
-  </ds:schemaRefs>
-</ds:datastoreItem>
-</file>
-
-<file path=customXml/itemProps2.xml><?xml version="1.0" encoding="utf-8"?>
 <ds:datastoreItem xmlns:ds="http://schemas.openxmlformats.org/officeDocument/2006/customXml" ds:itemID="{4C103400-4A22-4E35-B588-4C4D42638959}">
   <ds:schemaRefs>
     <ds:schemaRef ds:uri="http://schemas.microsoft.com/office/2006/metadata/contentType"/>
@@ -31290,6 +31742,14 @@
 </ds:datastoreItem>
 </file>
 
+<file path=customXml/itemProps2.xml><?xml version="1.0" encoding="utf-8"?>
+<ds:datastoreItem xmlns:ds="http://schemas.openxmlformats.org/officeDocument/2006/customXml" ds:itemID="{5B26E0C9-B2AA-42E6-97B6-E1B7D9EAF129}">
+  <ds:schemaRefs>
+    <ds:schemaRef ds:uri="http://schemas.microsoft.com/sharepoint/v3/contenttype/forms"/>
+  </ds:schemaRefs>
+</ds:datastoreItem>
+</file>
+
 <file path=customXml/itemProps3.xml><?xml version="1.0" encoding="utf-8"?>
 <ds:datastoreItem xmlns:ds="http://schemas.openxmlformats.org/officeDocument/2006/customXml" ds:itemID="{F5757914-1161-4661-9696-421FD6935CDD}">
   <ds:schemaRefs>

--- a/documentation/Cobra presentation.pptx
+++ b/documentation/Cobra presentation.pptx
@@ -20,8 +20,8 @@
     <p:sldId id="291" r:id="rId11"/>
     <p:sldId id="293" r:id="rId12"/>
     <p:sldId id="294" r:id="rId13"/>
-    <p:sldId id="288" r:id="rId14"/>
-    <p:sldId id="295" r:id="rId15"/>
+    <p:sldId id="295" r:id="rId14"/>
+    <p:sldId id="288" r:id="rId15"/>
     <p:sldId id="268" r:id="rId16"/>
   </p:sldIdLst>
   <p:sldSz cx="12192000" cy="6858000"/>
@@ -1126,7 +1126,7 @@
   <dgm:whole/>
   <dgm:extLst>
     <a:ext uri="http://schemas.microsoft.com/office/drawing/2008/diagram">
-      <dsp:dataModelExt xmlns:dsp="http://schemas.microsoft.com/office/drawing/2008/diagram" relId="rId6" minVer="http://schemas.openxmlformats.org/drawingml/2006/diagram"/>
+      <dsp:dataModelExt xmlns:dsp="http://schemas.microsoft.com/office/drawing/2008/diagram" relId="rId7" minVer="http://schemas.openxmlformats.org/drawingml/2006/diagram"/>
     </a:ext>
   </dgm:extLst>
 </dgm:dataModel>
@@ -2801,7 +2801,7 @@
           <a:p>
             <a:fld id="{1CA5457B-CDAE-4DEB-AEC8-C82DE2312E37}" type="datetimeFigureOut">
               <a:rPr lang="en-US" smtClean="0"/>
-              <a:t>5/15/2023</a:t>
+              <a:t>5/16/2023</a:t>
             </a:fld>
             <a:endParaRPr lang="en-US" dirty="0"/>
           </a:p>
@@ -2978,7 +2978,7 @@
           <a:p>
             <a:fld id="{090B78EA-28CE-41D8-9043-90E391E5F567}" type="datetimeFigureOut">
               <a:rPr lang="en-US" noProof="0" smtClean="0"/>
-              <a:t>5/15/2023</a:t>
+              <a:t>5/16/2023</a:t>
             </a:fld>
             <a:endParaRPr lang="en-US" noProof="0" dirty="0"/>
           </a:p>
@@ -3374,6 +3374,201 @@
           <a:lstStyle/>
           <a:p>
             <a:r>
+              <a:rPr lang="en-US" dirty="0" err="1"/>
+              <a:t>Implementerat</a:t>
+            </a:r>
+            <a:r>
+              <a:rPr lang="en-US" dirty="0"/>
+              <a:t> </a:t>
+            </a:r>
+            <a:r>
+              <a:rPr lang="en-US" dirty="0" err="1"/>
+              <a:t>egen</a:t>
+            </a:r>
+            <a:r>
+              <a:rPr lang="en-US" dirty="0"/>
+              <a:t> parser</a:t>
+            </a:r>
+          </a:p>
+          <a:p>
+            <a:r>
+              <a:rPr lang="en-US" dirty="0"/>
+              <a:t>Recursive Descent parser</a:t>
+            </a:r>
+          </a:p>
+          <a:p>
+            <a:endParaRPr lang="en-US" dirty="0"/>
+          </a:p>
+          <a:p>
+            <a:r>
+              <a:rPr lang="en-US" dirty="0" err="1"/>
+              <a:t>Består</a:t>
+            </a:r>
+            <a:r>
+              <a:rPr lang="en-US" dirty="0"/>
+              <a:t> av </a:t>
+            </a:r>
+            <a:r>
+              <a:rPr lang="en-US" dirty="0" err="1"/>
+              <a:t>tre</a:t>
+            </a:r>
+            <a:r>
+              <a:rPr lang="en-US" dirty="0"/>
+              <a:t> </a:t>
+            </a:r>
+            <a:r>
+              <a:rPr lang="en-US" dirty="0" err="1"/>
+              <a:t>delar</a:t>
+            </a:r>
+            <a:r>
+              <a:rPr lang="en-US" dirty="0"/>
+              <a:t>  </a:t>
+            </a:r>
+            <a:r>
+              <a:rPr lang="en-US" dirty="0" err="1"/>
+              <a:t>som</a:t>
+            </a:r>
+            <a:r>
+              <a:rPr lang="en-US" dirty="0"/>
+              <a:t> </a:t>
+            </a:r>
+            <a:r>
+              <a:rPr lang="en-US" dirty="0" err="1"/>
+              <a:t>representeras</a:t>
+            </a:r>
+            <a:r>
+              <a:rPr lang="en-US" dirty="0"/>
+              <a:t> av </a:t>
+            </a:r>
+            <a:r>
+              <a:rPr lang="en-US" dirty="0" err="1"/>
+              <a:t>tre</a:t>
+            </a:r>
+            <a:r>
+              <a:rPr lang="en-US" dirty="0"/>
+              <a:t> </a:t>
+            </a:r>
+            <a:r>
+              <a:rPr lang="en-US" dirty="0" err="1"/>
+              <a:t>klasser</a:t>
+            </a:r>
+            <a:endParaRPr lang="en-US" dirty="0"/>
+          </a:p>
+          <a:p>
+            <a:pPr marL="171450" indent="-171450">
+              <a:buFontTx/>
+              <a:buChar char="-"/>
+            </a:pPr>
+            <a:r>
+              <a:rPr lang="en-US" dirty="0" err="1"/>
+              <a:t>Lexer</a:t>
+            </a:r>
+            <a:endParaRPr lang="en-US" dirty="0"/>
+          </a:p>
+          <a:p>
+            <a:pPr marL="171450" indent="-171450">
+              <a:buFontTx/>
+              <a:buChar char="-"/>
+            </a:pPr>
+            <a:r>
+              <a:rPr lang="en-US" dirty="0"/>
+              <a:t>Parser</a:t>
+            </a:r>
+          </a:p>
+          <a:p>
+            <a:pPr marL="171450" indent="-171450">
+              <a:buFontTx/>
+              <a:buChar char="-"/>
+            </a:pPr>
+            <a:r>
+              <a:rPr lang="en-US" dirty="0" err="1"/>
+              <a:t>Interpretator</a:t>
+            </a:r>
+            <a:endParaRPr lang="en-SE" dirty="0"/>
+          </a:p>
+        </p:txBody>
+      </p:sp>
+      <p:sp>
+        <p:nvSpPr>
+          <p:cNvPr id="4" name="Slide Number Placeholder 3"/>
+          <p:cNvSpPr>
+            <a:spLocks noGrp="1"/>
+          </p:cNvSpPr>
+          <p:nvPr>
+            <p:ph type="sldNum" sz="quarter" idx="5"/>
+          </p:nvPr>
+        </p:nvSpPr>
+        <p:spPr/>
+        <p:txBody>
+          <a:bodyPr/>
+          <a:lstStyle/>
+          <a:p>
+            <a:fld id="{1734D747-9380-41EE-9946-EC9EC0CA5D1E}" type="slidenum">
+              <a:rPr lang="en-US" noProof="0" smtClean="0"/>
+              <a:t>4</a:t>
+            </a:fld>
+            <a:endParaRPr lang="en-US" noProof="0" dirty="0"/>
+          </a:p>
+        </p:txBody>
+      </p:sp>
+    </p:spTree>
+    <p:extLst>
+      <p:ext uri="{BB962C8B-B14F-4D97-AF65-F5344CB8AC3E}">
+        <p14:creationId xmlns:p14="http://schemas.microsoft.com/office/powerpoint/2010/main" val="2274403132"/>
+      </p:ext>
+    </p:extLst>
+  </p:cSld>
+  <p:clrMapOvr>
+    <a:masterClrMapping/>
+  </p:clrMapOvr>
+</p:notes>
+</file>
+
+<file path=ppt/notesSlides/notesSlide3.xml><?xml version="1.0" encoding="utf-8"?>
+<p:notes xmlns:a="http://schemas.openxmlformats.org/drawingml/2006/main" xmlns:r="http://schemas.openxmlformats.org/officeDocument/2006/relationships" xmlns:p="http://schemas.openxmlformats.org/presentationml/2006/main">
+  <p:cSld>
+    <p:spTree>
+      <p:nvGrpSpPr>
+        <p:cNvPr id="1" name=""/>
+        <p:cNvGrpSpPr/>
+        <p:nvPr/>
+      </p:nvGrpSpPr>
+      <p:grpSpPr>
+        <a:xfrm>
+          <a:off x="0" y="0"/>
+          <a:ext cx="0" cy="0"/>
+          <a:chOff x="0" y="0"/>
+          <a:chExt cx="0" cy="0"/>
+        </a:xfrm>
+      </p:grpSpPr>
+      <p:sp>
+        <p:nvSpPr>
+          <p:cNvPr id="2" name="Slide Image Placeholder 1"/>
+          <p:cNvSpPr>
+            <a:spLocks noGrp="1" noRot="1" noChangeAspect="1"/>
+          </p:cNvSpPr>
+          <p:nvPr>
+            <p:ph type="sldImg"/>
+          </p:nvPr>
+        </p:nvSpPr>
+        <p:spPr/>
+      </p:sp>
+      <p:sp>
+        <p:nvSpPr>
+          <p:cNvPr id="3" name="Notes Placeholder 2"/>
+          <p:cNvSpPr>
+            <a:spLocks noGrp="1"/>
+          </p:cNvSpPr>
+          <p:nvPr>
+            <p:ph type="body" idx="1"/>
+          </p:nvPr>
+        </p:nvSpPr>
+        <p:spPr/>
+        <p:txBody>
+          <a:bodyPr/>
+          <a:lstStyle/>
+          <a:p>
+            <a:r>
               <a:rPr lang="sv-SE" noProof="0" dirty="0"/>
               <a:t>Implementerade de delar vi tycker man behöver ha i ett GPL</a:t>
             </a:r>
@@ -3407,6 +3602,1484 @@
     <p:extLst>
       <p:ext uri="{BB962C8B-B14F-4D97-AF65-F5344CB8AC3E}">
         <p14:creationId xmlns:p14="http://schemas.microsoft.com/office/powerpoint/2010/main" val="2119457438"/>
+      </p:ext>
+    </p:extLst>
+  </p:cSld>
+  <p:clrMapOvr>
+    <a:masterClrMapping/>
+  </p:clrMapOvr>
+</p:notes>
+</file>
+
+<file path=ppt/notesSlides/notesSlide4.xml><?xml version="1.0" encoding="utf-8"?>
+<p:notes xmlns:a="http://schemas.openxmlformats.org/drawingml/2006/main" xmlns:r="http://schemas.openxmlformats.org/officeDocument/2006/relationships" xmlns:p="http://schemas.openxmlformats.org/presentationml/2006/main">
+  <p:cSld>
+    <p:spTree>
+      <p:nvGrpSpPr>
+        <p:cNvPr id="1" name=""/>
+        <p:cNvGrpSpPr/>
+        <p:nvPr/>
+      </p:nvGrpSpPr>
+      <p:grpSpPr>
+        <a:xfrm>
+          <a:off x="0" y="0"/>
+          <a:ext cx="0" cy="0"/>
+          <a:chOff x="0" y="0"/>
+          <a:chExt cx="0" cy="0"/>
+        </a:xfrm>
+      </p:grpSpPr>
+      <p:sp>
+        <p:nvSpPr>
+          <p:cNvPr id="2" name="Slide Image Placeholder 1"/>
+          <p:cNvSpPr>
+            <a:spLocks noGrp="1" noRot="1" noChangeAspect="1"/>
+          </p:cNvSpPr>
+          <p:nvPr>
+            <p:ph type="sldImg"/>
+          </p:nvPr>
+        </p:nvSpPr>
+        <p:spPr/>
+      </p:sp>
+      <p:sp>
+        <p:nvSpPr>
+          <p:cNvPr id="3" name="Notes Placeholder 2"/>
+          <p:cNvSpPr>
+            <a:spLocks noGrp="1"/>
+          </p:cNvSpPr>
+          <p:nvPr>
+            <p:ph type="body" idx="1"/>
+          </p:nvPr>
+        </p:nvSpPr>
+        <p:spPr/>
+        <p:txBody>
+          <a:bodyPr/>
+          <a:lstStyle/>
+          <a:p>
+            <a:r>
+              <a:rPr lang="en-US" dirty="0" err="1"/>
+              <a:t>Parsern</a:t>
+            </a:r>
+            <a:r>
+              <a:rPr lang="en-US" dirty="0"/>
+              <a:t> tar </a:t>
+            </a:r>
+            <a:r>
+              <a:rPr lang="en-US" dirty="0" err="1"/>
+              <a:t>en</a:t>
+            </a:r>
+            <a:r>
+              <a:rPr lang="en-US" dirty="0"/>
+              <a:t> </a:t>
+            </a:r>
+            <a:r>
+              <a:rPr lang="en-US" dirty="0" err="1"/>
+              <a:t>lista</a:t>
+            </a:r>
+            <a:r>
+              <a:rPr lang="en-US" dirty="0"/>
+              <a:t> av tokens </a:t>
+            </a:r>
+            <a:r>
+              <a:rPr lang="en-US" dirty="0" err="1"/>
+              <a:t>från</a:t>
+            </a:r>
+            <a:r>
+              <a:rPr lang="en-US" dirty="0"/>
+              <a:t> </a:t>
+            </a:r>
+            <a:r>
+              <a:rPr lang="en-US" dirty="0" err="1"/>
+              <a:t>lexern</a:t>
+            </a:r>
+            <a:r>
+              <a:rPr lang="en-US" dirty="0"/>
+              <a:t>. </a:t>
+            </a:r>
+          </a:p>
+          <a:p>
+            <a:r>
+              <a:rPr lang="en-US" dirty="0" err="1"/>
+              <a:t>Konverterar</a:t>
+            </a:r>
+            <a:r>
+              <a:rPr lang="en-US" dirty="0"/>
+              <a:t> dem till AST-</a:t>
+            </a:r>
+            <a:r>
+              <a:rPr lang="en-US" dirty="0" err="1"/>
+              <a:t>noder</a:t>
+            </a:r>
+            <a:r>
+              <a:rPr lang="en-US" dirty="0"/>
+              <a:t> </a:t>
+            </a:r>
+            <a:r>
+              <a:rPr lang="en-US" dirty="0" err="1"/>
+              <a:t>som</a:t>
+            </a:r>
+            <a:r>
+              <a:rPr lang="en-US" dirty="0"/>
+              <a:t> </a:t>
+            </a:r>
+            <a:r>
+              <a:rPr lang="en-US" dirty="0" err="1"/>
+              <a:t>bygger</a:t>
+            </a:r>
+            <a:r>
+              <a:rPr lang="en-US" dirty="0"/>
+              <a:t> </a:t>
+            </a:r>
+            <a:r>
+              <a:rPr lang="en-US" dirty="0" err="1"/>
+              <a:t>upp</a:t>
+            </a:r>
+            <a:r>
+              <a:rPr lang="en-US" dirty="0"/>
+              <a:t> det abstracta </a:t>
+            </a:r>
+            <a:r>
+              <a:rPr lang="en-US" dirty="0" err="1"/>
+              <a:t>syntaxträdet</a:t>
+            </a:r>
+            <a:endParaRPr lang="en-US" dirty="0"/>
+          </a:p>
+          <a:p>
+            <a:endParaRPr lang="en-US" dirty="0"/>
+          </a:p>
+          <a:p>
+            <a:r>
+              <a:rPr lang="en-US" dirty="0" err="1"/>
+              <a:t>Noderna</a:t>
+            </a:r>
+            <a:r>
+              <a:rPr lang="en-US" dirty="0"/>
+              <a:t> </a:t>
+            </a:r>
+            <a:r>
+              <a:rPr lang="en-US" dirty="0" err="1"/>
+              <a:t>är</a:t>
+            </a:r>
+            <a:r>
+              <a:rPr lang="en-US" dirty="0"/>
+              <a:t> </a:t>
+            </a:r>
+            <a:r>
+              <a:rPr lang="en-US" dirty="0" err="1"/>
+              <a:t>uppdelade</a:t>
+            </a:r>
+            <a:r>
+              <a:rPr lang="en-US" dirty="0"/>
+              <a:t> I Expressions </a:t>
+            </a:r>
+            <a:r>
+              <a:rPr lang="en-US" dirty="0" err="1"/>
+              <a:t>såsom</a:t>
+            </a:r>
+            <a:r>
+              <a:rPr lang="en-US" dirty="0"/>
+              <a:t> (</a:t>
+            </a:r>
+            <a:r>
+              <a:rPr lang="en-US" dirty="0" err="1"/>
+              <a:t>fyll</a:t>
+            </a:r>
+            <a:r>
+              <a:rPr lang="en-US" dirty="0"/>
+              <a:t> </a:t>
+            </a:r>
+            <a:r>
+              <a:rPr lang="en-US" dirty="0" err="1"/>
+              <a:t>i</a:t>
+            </a:r>
+            <a:r>
+              <a:rPr lang="en-US" dirty="0"/>
+              <a:t>) </a:t>
+            </a:r>
+            <a:r>
+              <a:rPr lang="en-US" dirty="0" err="1"/>
+              <a:t>och</a:t>
+            </a:r>
+            <a:r>
+              <a:rPr lang="en-US" dirty="0"/>
+              <a:t> statements </a:t>
+            </a:r>
+            <a:r>
+              <a:rPr lang="en-US" dirty="0" err="1"/>
+              <a:t>såsom</a:t>
+            </a:r>
+            <a:r>
+              <a:rPr lang="en-US" dirty="0"/>
+              <a:t> (</a:t>
+            </a:r>
+            <a:r>
+              <a:rPr lang="en-US" dirty="0" err="1"/>
+              <a:t>fyll</a:t>
+            </a:r>
+            <a:r>
+              <a:rPr lang="en-US" dirty="0"/>
+              <a:t> </a:t>
+            </a:r>
+            <a:r>
+              <a:rPr lang="en-US" dirty="0" err="1"/>
+              <a:t>i</a:t>
+            </a:r>
+            <a:r>
+              <a:rPr lang="en-US" dirty="0"/>
+              <a:t>)</a:t>
+            </a:r>
+          </a:p>
+          <a:p>
+            <a:endParaRPr lang="en-US" dirty="0"/>
+          </a:p>
+          <a:p>
+            <a:r>
+              <a:rPr lang="en-US" dirty="0"/>
+              <a:t>Vid </a:t>
+            </a:r>
+            <a:r>
+              <a:rPr lang="en-US" dirty="0" err="1"/>
+              <a:t>evaluering</a:t>
+            </a:r>
+            <a:r>
+              <a:rPr lang="en-US" dirty="0"/>
+              <a:t> av </a:t>
+            </a:r>
+            <a:r>
+              <a:rPr lang="en-US" dirty="0" err="1"/>
+              <a:t>trädet</a:t>
+            </a:r>
+            <a:r>
+              <a:rPr lang="en-US" dirty="0"/>
+              <a:t> </a:t>
+            </a:r>
+            <a:r>
+              <a:rPr lang="en-US" dirty="0" err="1"/>
+              <a:t>konverteras</a:t>
+            </a:r>
+            <a:r>
+              <a:rPr lang="en-US" dirty="0"/>
+              <a:t> de till runtime-</a:t>
+            </a:r>
+            <a:r>
+              <a:rPr lang="en-US" dirty="0" err="1"/>
+              <a:t>noder</a:t>
+            </a:r>
+            <a:r>
+              <a:rPr lang="en-US" dirty="0"/>
+              <a:t>.</a:t>
+            </a:r>
+          </a:p>
+          <a:p>
+            <a:r>
+              <a:rPr lang="en-US" dirty="0"/>
+              <a:t>Det </a:t>
+            </a:r>
+            <a:r>
+              <a:rPr lang="en-US" dirty="0" err="1"/>
+              <a:t>är</a:t>
+            </a:r>
+            <a:r>
+              <a:rPr lang="en-US" dirty="0"/>
+              <a:t> dessa </a:t>
+            </a:r>
+            <a:r>
+              <a:rPr lang="en-US" dirty="0" err="1"/>
+              <a:t>noder</a:t>
+            </a:r>
+            <a:r>
+              <a:rPr lang="en-US" dirty="0"/>
+              <a:t> </a:t>
+            </a:r>
+            <a:r>
+              <a:rPr lang="en-US" dirty="0" err="1"/>
+              <a:t>som</a:t>
+            </a:r>
+            <a:r>
+              <a:rPr lang="en-US" dirty="0"/>
+              <a:t> </a:t>
+            </a:r>
+            <a:r>
+              <a:rPr lang="en-US" dirty="0" err="1"/>
+              <a:t>användaren</a:t>
+            </a:r>
+            <a:r>
+              <a:rPr lang="en-US" dirty="0"/>
+              <a:t> </a:t>
+            </a:r>
+            <a:r>
+              <a:rPr lang="en-US" dirty="0" err="1"/>
+              <a:t>kan</a:t>
+            </a:r>
+            <a:r>
+              <a:rPr lang="en-US" dirty="0"/>
+              <a:t> </a:t>
+            </a:r>
+            <a:r>
+              <a:rPr lang="en-US" dirty="0" err="1"/>
+              <a:t>interagera</a:t>
+            </a:r>
+            <a:r>
+              <a:rPr lang="en-US" dirty="0"/>
+              <a:t> med</a:t>
+            </a:r>
+          </a:p>
+          <a:p>
+            <a:r>
+              <a:rPr lang="en-US" dirty="0" err="1"/>
+              <a:t>Exempel</a:t>
+            </a:r>
+            <a:endParaRPr lang="en-US" dirty="0"/>
+          </a:p>
+          <a:p>
+            <a:pPr marL="171450" indent="-171450">
+              <a:buFontTx/>
+              <a:buChar char="-"/>
+            </a:pPr>
+            <a:r>
+              <a:rPr lang="en-US" dirty="0" err="1"/>
+              <a:t>Anropa</a:t>
+            </a:r>
+            <a:r>
+              <a:rPr lang="en-US" dirty="0"/>
+              <a:t> </a:t>
+            </a:r>
+            <a:r>
+              <a:rPr lang="en-US" dirty="0" err="1"/>
+              <a:t>funktioner</a:t>
+            </a:r>
+            <a:r>
+              <a:rPr lang="en-US" dirty="0"/>
+              <a:t> </a:t>
+            </a:r>
+            <a:r>
+              <a:rPr lang="en-US" dirty="0" err="1"/>
+              <a:t>på</a:t>
+            </a:r>
+            <a:r>
+              <a:rPr lang="en-US" dirty="0"/>
+              <a:t> </a:t>
+            </a:r>
+            <a:r>
+              <a:rPr lang="en-US" dirty="0" err="1"/>
+              <a:t>såsom</a:t>
+            </a:r>
+            <a:r>
+              <a:rPr lang="en-US" dirty="0"/>
+              <a:t> type() </a:t>
+            </a:r>
+            <a:r>
+              <a:rPr lang="en-US" dirty="0" err="1"/>
+              <a:t>eller</a:t>
+            </a:r>
+            <a:r>
+              <a:rPr lang="en-US" dirty="0"/>
+              <a:t> </a:t>
+            </a:r>
+            <a:r>
+              <a:rPr lang="en-US" dirty="0" err="1"/>
+              <a:t>lenth</a:t>
+            </a:r>
+            <a:r>
+              <a:rPr lang="en-US" dirty="0"/>
+              <a:t>()</a:t>
+            </a:r>
+          </a:p>
+          <a:p>
+            <a:pPr marL="171450" indent="-171450">
+              <a:buFontTx/>
+              <a:buChar char="-"/>
+            </a:pPr>
+            <a:endParaRPr lang="en-US" dirty="0"/>
+          </a:p>
+        </p:txBody>
+      </p:sp>
+      <p:sp>
+        <p:nvSpPr>
+          <p:cNvPr id="4" name="Slide Number Placeholder 3"/>
+          <p:cNvSpPr>
+            <a:spLocks noGrp="1"/>
+          </p:cNvSpPr>
+          <p:nvPr>
+            <p:ph type="sldNum" sz="quarter" idx="5"/>
+          </p:nvPr>
+        </p:nvSpPr>
+        <p:spPr/>
+        <p:txBody>
+          <a:bodyPr/>
+          <a:lstStyle/>
+          <a:p>
+            <a:fld id="{1734D747-9380-41EE-9946-EC9EC0CA5D1E}" type="slidenum">
+              <a:rPr lang="en-US" noProof="0" smtClean="0"/>
+              <a:t>6</a:t>
+            </a:fld>
+            <a:endParaRPr lang="en-US" noProof="0" dirty="0"/>
+          </a:p>
+        </p:txBody>
+      </p:sp>
+    </p:spTree>
+    <p:extLst>
+      <p:ext uri="{BB962C8B-B14F-4D97-AF65-F5344CB8AC3E}">
+        <p14:creationId xmlns:p14="http://schemas.microsoft.com/office/powerpoint/2010/main" val="1757487761"/>
+      </p:ext>
+    </p:extLst>
+  </p:cSld>
+  <p:clrMapOvr>
+    <a:masterClrMapping/>
+  </p:clrMapOvr>
+</p:notes>
+</file>
+
+<file path=ppt/notesSlides/notesSlide5.xml><?xml version="1.0" encoding="utf-8"?>
+<p:notes xmlns:a="http://schemas.openxmlformats.org/drawingml/2006/main" xmlns:r="http://schemas.openxmlformats.org/officeDocument/2006/relationships" xmlns:p="http://schemas.openxmlformats.org/presentationml/2006/main">
+  <p:cSld>
+    <p:spTree>
+      <p:nvGrpSpPr>
+        <p:cNvPr id="1" name=""/>
+        <p:cNvGrpSpPr/>
+        <p:nvPr/>
+      </p:nvGrpSpPr>
+      <p:grpSpPr>
+        <a:xfrm>
+          <a:off x="0" y="0"/>
+          <a:ext cx="0" cy="0"/>
+          <a:chOff x="0" y="0"/>
+          <a:chExt cx="0" cy="0"/>
+        </a:xfrm>
+      </p:grpSpPr>
+      <p:sp>
+        <p:nvSpPr>
+          <p:cNvPr id="2" name="Slide Image Placeholder 1"/>
+          <p:cNvSpPr>
+            <a:spLocks noGrp="1" noRot="1" noChangeAspect="1"/>
+          </p:cNvSpPr>
+          <p:nvPr>
+            <p:ph type="sldImg"/>
+          </p:nvPr>
+        </p:nvSpPr>
+        <p:spPr/>
+      </p:sp>
+      <p:sp>
+        <p:nvSpPr>
+          <p:cNvPr id="3" name="Notes Placeholder 2"/>
+          <p:cNvSpPr>
+            <a:spLocks noGrp="1"/>
+          </p:cNvSpPr>
+          <p:nvPr>
+            <p:ph type="body" idx="1"/>
+          </p:nvPr>
+        </p:nvSpPr>
+        <p:spPr/>
+        <p:txBody>
+          <a:bodyPr/>
+          <a:lstStyle/>
+          <a:p>
+            <a:r>
+              <a:rPr lang="en-US" dirty="0" err="1"/>
+              <a:t>Bilden</a:t>
+            </a:r>
+            <a:r>
+              <a:rPr lang="en-US" dirty="0"/>
+              <a:t> till </a:t>
+            </a:r>
+            <a:r>
+              <a:rPr lang="en-US" dirty="0" err="1"/>
+              <a:t>höger</a:t>
+            </a:r>
+            <a:r>
+              <a:rPr lang="en-US" dirty="0"/>
+              <a:t> – </a:t>
+            </a:r>
+            <a:r>
+              <a:rPr lang="en-US" dirty="0" err="1"/>
+              <a:t>en</a:t>
+            </a:r>
+            <a:r>
+              <a:rPr lang="en-US" dirty="0"/>
+              <a:t> if-sats </a:t>
+            </a:r>
+            <a:r>
+              <a:rPr lang="en-US" dirty="0" err="1"/>
+              <a:t>i</a:t>
+            </a:r>
+            <a:r>
+              <a:rPr lang="en-US" dirty="0"/>
+              <a:t> Cobra – </a:t>
+            </a:r>
+            <a:r>
+              <a:rPr lang="en-US" dirty="0" err="1"/>
+              <a:t>Funktionen</a:t>
+            </a:r>
+            <a:r>
+              <a:rPr lang="en-US" dirty="0"/>
+              <a:t> för </a:t>
+            </a:r>
+            <a:r>
+              <a:rPr lang="en-US" dirty="0" err="1"/>
+              <a:t>att</a:t>
+            </a:r>
+            <a:r>
+              <a:rPr lang="en-US" dirty="0"/>
+              <a:t> </a:t>
+            </a:r>
+            <a:r>
+              <a:rPr lang="en-US" dirty="0" err="1"/>
+              <a:t>parsa</a:t>
+            </a:r>
+            <a:r>
+              <a:rPr lang="en-US" dirty="0"/>
+              <a:t> den </a:t>
+            </a:r>
+            <a:r>
+              <a:rPr lang="en-US" dirty="0" err="1"/>
+              <a:t>finns</a:t>
+            </a:r>
+            <a:r>
+              <a:rPr lang="en-US" dirty="0"/>
+              <a:t> till </a:t>
+            </a:r>
+            <a:r>
+              <a:rPr lang="en-US" dirty="0" err="1"/>
+              <a:t>vänster</a:t>
+            </a:r>
+            <a:endParaRPr lang="en-US" dirty="0"/>
+          </a:p>
+          <a:p>
+            <a:endParaRPr lang="en-US" dirty="0"/>
+          </a:p>
+          <a:p>
+            <a:pPr marL="171450" indent="-171450">
+              <a:buFontTx/>
+              <a:buChar char="-"/>
+            </a:pPr>
+            <a:r>
+              <a:rPr lang="en-US" dirty="0" err="1"/>
+              <a:t>Förväntar</a:t>
+            </a:r>
+            <a:r>
+              <a:rPr lang="en-US" dirty="0"/>
+              <a:t> sig if-token </a:t>
+            </a:r>
+            <a:r>
+              <a:rPr lang="en-US" dirty="0" err="1"/>
+              <a:t>och</a:t>
+            </a:r>
+            <a:r>
+              <a:rPr lang="en-US" dirty="0"/>
+              <a:t> </a:t>
+            </a:r>
+            <a:r>
+              <a:rPr lang="en-US" dirty="0" err="1"/>
+              <a:t>äter</a:t>
+            </a:r>
+            <a:r>
+              <a:rPr lang="en-US" dirty="0"/>
+              <a:t> </a:t>
+            </a:r>
+            <a:r>
+              <a:rPr lang="en-US" dirty="0" err="1"/>
+              <a:t>tokenen</a:t>
+            </a:r>
+            <a:endParaRPr lang="en-US" dirty="0"/>
+          </a:p>
+          <a:p>
+            <a:pPr marL="171450" indent="-171450">
+              <a:buFontTx/>
+              <a:buChar char="-"/>
+            </a:pPr>
+            <a:r>
+              <a:rPr lang="en-US" dirty="0" err="1"/>
+              <a:t>Parsar</a:t>
+            </a:r>
+            <a:r>
+              <a:rPr lang="en-US" dirty="0"/>
+              <a:t> </a:t>
+            </a:r>
+            <a:r>
+              <a:rPr lang="en-US" dirty="0" err="1"/>
+              <a:t>villkoret</a:t>
+            </a:r>
+            <a:r>
+              <a:rPr lang="en-US" dirty="0"/>
+              <a:t> med </a:t>
+            </a:r>
+            <a:r>
+              <a:rPr lang="en-US" dirty="0" err="1"/>
+              <a:t>hälpfunktionen</a:t>
+            </a:r>
+            <a:r>
+              <a:rPr lang="en-US" dirty="0"/>
+              <a:t> </a:t>
+            </a:r>
+            <a:r>
+              <a:rPr lang="en-US" dirty="0" err="1"/>
+              <a:t>parse_conditional_condition</a:t>
+            </a:r>
+            <a:endParaRPr lang="en-US" dirty="0"/>
+          </a:p>
+          <a:p>
+            <a:pPr marL="171450" indent="-171450">
+              <a:buFontTx/>
+              <a:buChar char="-"/>
+            </a:pPr>
+            <a:r>
+              <a:rPr lang="en-US" dirty="0" err="1"/>
+              <a:t>Förväntar</a:t>
+            </a:r>
+            <a:r>
+              <a:rPr lang="en-US" dirty="0"/>
+              <a:t> sig </a:t>
+            </a:r>
+            <a:r>
+              <a:rPr lang="en-US" dirty="0" err="1"/>
+              <a:t>en</a:t>
+            </a:r>
+            <a:r>
+              <a:rPr lang="en-US" dirty="0"/>
+              <a:t> </a:t>
+            </a:r>
+            <a:r>
+              <a:rPr lang="en-US" dirty="0" err="1"/>
+              <a:t>startmåsvinge</a:t>
+            </a:r>
+            <a:endParaRPr lang="en-US" dirty="0"/>
+          </a:p>
+          <a:p>
+            <a:pPr marL="171450" indent="-171450">
+              <a:buFontTx/>
+              <a:buChar char="-"/>
+            </a:pPr>
+            <a:r>
+              <a:rPr lang="en-US" dirty="0" err="1"/>
+              <a:t>Alla</a:t>
+            </a:r>
+            <a:r>
+              <a:rPr lang="en-US" dirty="0"/>
+              <a:t> statements I </a:t>
+            </a:r>
+            <a:r>
+              <a:rPr lang="en-US" dirty="0" err="1"/>
+              <a:t>satsen</a:t>
+            </a:r>
+            <a:r>
+              <a:rPr lang="en-US" dirty="0"/>
+              <a:t> </a:t>
+            </a:r>
+            <a:r>
+              <a:rPr lang="en-US" dirty="0" err="1"/>
+              <a:t>parsas</a:t>
+            </a:r>
+            <a:r>
+              <a:rPr lang="en-US" dirty="0"/>
+              <a:t> med </a:t>
+            </a:r>
+            <a:r>
+              <a:rPr lang="en-US" dirty="0" err="1"/>
+              <a:t>hjälp</a:t>
+            </a:r>
+            <a:r>
+              <a:rPr lang="en-US" dirty="0"/>
+              <a:t> </a:t>
+            </a:r>
+            <a:r>
+              <a:rPr lang="en-US" dirty="0" err="1"/>
+              <a:t>funktionen</a:t>
+            </a:r>
+            <a:r>
+              <a:rPr lang="en-US" dirty="0"/>
+              <a:t> parse:_</a:t>
+            </a:r>
+            <a:r>
+              <a:rPr lang="en-US" dirty="0" err="1"/>
+              <a:t>conditional_body</a:t>
+            </a:r>
+            <a:r>
+              <a:rPr lang="en-US" dirty="0"/>
+              <a:t> I </a:t>
+            </a:r>
+            <a:r>
+              <a:rPr lang="en-US" dirty="0" err="1"/>
+              <a:t>detta</a:t>
+            </a:r>
+            <a:r>
+              <a:rPr lang="en-US" dirty="0"/>
+              <a:t> </a:t>
+            </a:r>
+            <a:r>
+              <a:rPr lang="en-US" dirty="0" err="1"/>
+              <a:t>fallet</a:t>
+            </a:r>
+            <a:r>
+              <a:rPr lang="en-US" dirty="0"/>
+              <a:t> bara </a:t>
+            </a:r>
+            <a:r>
+              <a:rPr lang="en-US" dirty="0" err="1"/>
+              <a:t>ett</a:t>
+            </a:r>
+            <a:r>
+              <a:rPr lang="en-US" dirty="0"/>
+              <a:t> print-</a:t>
+            </a:r>
+            <a:r>
+              <a:rPr lang="en-US" dirty="0" err="1"/>
+              <a:t>anrop</a:t>
+            </a:r>
+            <a:endParaRPr lang="en-US" dirty="0"/>
+          </a:p>
+          <a:p>
+            <a:pPr marL="171450" indent="-171450">
+              <a:buFontTx/>
+              <a:buChar char="-"/>
+            </a:pPr>
+            <a:r>
+              <a:rPr lang="en-US" dirty="0"/>
+              <a:t>Sedan </a:t>
+            </a:r>
+            <a:r>
+              <a:rPr lang="en-US" dirty="0" err="1"/>
+              <a:t>förväntas</a:t>
+            </a:r>
+            <a:r>
+              <a:rPr lang="en-US" dirty="0"/>
+              <a:t> </a:t>
+            </a:r>
+            <a:r>
+              <a:rPr lang="en-US" dirty="0" err="1"/>
+              <a:t>en</a:t>
+            </a:r>
+            <a:r>
+              <a:rPr lang="en-US" dirty="0"/>
+              <a:t> </a:t>
+            </a:r>
+            <a:r>
+              <a:rPr lang="en-US" dirty="0" err="1"/>
+              <a:t>slutmåsvinge</a:t>
+            </a:r>
+            <a:endParaRPr lang="en-US" dirty="0"/>
+          </a:p>
+          <a:p>
+            <a:pPr marL="171450" indent="-171450">
+              <a:buFontTx/>
+              <a:buChar char="-"/>
+            </a:pPr>
+            <a:r>
+              <a:rPr lang="en-US" dirty="0"/>
+              <a:t>Sedan </a:t>
+            </a:r>
+            <a:r>
+              <a:rPr lang="en-US" dirty="0" err="1"/>
+              <a:t>parsas</a:t>
+            </a:r>
+            <a:r>
+              <a:rPr lang="en-US" dirty="0"/>
+              <a:t> </a:t>
+            </a:r>
+            <a:r>
+              <a:rPr lang="en-US" dirty="0" err="1"/>
+              <a:t>alla</a:t>
+            </a:r>
+            <a:r>
+              <a:rPr lang="en-US" dirty="0"/>
+              <a:t> </a:t>
+            </a:r>
+            <a:r>
+              <a:rPr lang="en-US" dirty="0" err="1"/>
+              <a:t>elsifs</a:t>
+            </a:r>
+            <a:r>
+              <a:rPr lang="en-US" dirty="0"/>
+              <a:t> </a:t>
+            </a:r>
+            <a:r>
+              <a:rPr lang="en-US" dirty="0" err="1"/>
+              <a:t>och</a:t>
+            </a:r>
+            <a:r>
+              <a:rPr lang="en-US" dirty="0"/>
+              <a:t> det </a:t>
+            </a:r>
+            <a:r>
+              <a:rPr lang="en-US" dirty="0" err="1"/>
+              <a:t>sker</a:t>
+            </a:r>
+            <a:r>
+              <a:rPr lang="en-US" dirty="0"/>
+              <a:t> </a:t>
+            </a:r>
+            <a:r>
+              <a:rPr lang="en-US" dirty="0" err="1"/>
+              <a:t>på</a:t>
+            </a:r>
+            <a:r>
+              <a:rPr lang="en-US" dirty="0"/>
+              <a:t> </a:t>
+            </a:r>
+            <a:r>
+              <a:rPr lang="en-US" dirty="0" err="1"/>
+              <a:t>ett</a:t>
+            </a:r>
+            <a:r>
+              <a:rPr lang="en-US" dirty="0"/>
+              <a:t> </a:t>
+            </a:r>
+            <a:r>
+              <a:rPr lang="en-US" dirty="0" err="1"/>
+              <a:t>liknande</a:t>
+            </a:r>
+            <a:r>
+              <a:rPr lang="en-US" dirty="0"/>
+              <a:t> </a:t>
+            </a:r>
+            <a:r>
+              <a:rPr lang="en-US" dirty="0" err="1"/>
+              <a:t>sätt</a:t>
+            </a:r>
+            <a:endParaRPr lang="en-US" dirty="0"/>
+          </a:p>
+          <a:p>
+            <a:pPr marL="171450" indent="-171450">
+              <a:buFontTx/>
+              <a:buChar char="-"/>
+            </a:pPr>
+            <a:r>
+              <a:rPr lang="en-US" dirty="0"/>
+              <a:t>Ingen </a:t>
+            </a:r>
+            <a:r>
+              <a:rPr lang="en-US" dirty="0" err="1"/>
+              <a:t>elsif</a:t>
+            </a:r>
+            <a:r>
+              <a:rPr lang="en-US" dirty="0"/>
+              <a:t> </a:t>
+            </a:r>
+            <a:r>
+              <a:rPr lang="en-US" dirty="0" err="1"/>
+              <a:t>så</a:t>
+            </a:r>
+            <a:r>
+              <a:rPr lang="en-US" dirty="0"/>
+              <a:t> </a:t>
+            </a:r>
+            <a:r>
+              <a:rPr lang="en-US" dirty="0" err="1"/>
+              <a:t>returnerar</a:t>
+            </a:r>
+            <a:r>
+              <a:rPr lang="en-US" dirty="0"/>
+              <a:t> </a:t>
+            </a:r>
+            <a:r>
+              <a:rPr lang="en-US" dirty="0" err="1"/>
+              <a:t>elsif</a:t>
+            </a:r>
+            <a:r>
+              <a:rPr lang="en-US" dirty="0"/>
+              <a:t> </a:t>
+            </a:r>
+            <a:r>
+              <a:rPr lang="en-US" dirty="0" err="1"/>
+              <a:t>funktionen</a:t>
+            </a:r>
+            <a:r>
+              <a:rPr lang="en-US" dirty="0"/>
+              <a:t> </a:t>
+            </a:r>
+            <a:r>
+              <a:rPr lang="en-US" dirty="0" err="1"/>
+              <a:t>en</a:t>
+            </a:r>
+            <a:r>
+              <a:rPr lang="en-US" dirty="0"/>
+              <a:t> tom </a:t>
+            </a:r>
+            <a:r>
+              <a:rPr lang="en-US" dirty="0" err="1"/>
+              <a:t>lista</a:t>
+            </a:r>
+            <a:r>
+              <a:rPr lang="en-US" dirty="0"/>
+              <a:t> </a:t>
+            </a:r>
+            <a:r>
+              <a:rPr lang="en-US" dirty="0" err="1"/>
+              <a:t>annars</a:t>
+            </a:r>
+            <a:r>
+              <a:rPr lang="en-US" dirty="0"/>
+              <a:t> </a:t>
+            </a:r>
+            <a:r>
+              <a:rPr lang="en-US" dirty="0" err="1"/>
+              <a:t>en</a:t>
+            </a:r>
+            <a:r>
+              <a:rPr lang="en-US" dirty="0"/>
+              <a:t> </a:t>
+            </a:r>
+            <a:r>
+              <a:rPr lang="en-US" dirty="0" err="1"/>
+              <a:t>lista</a:t>
+            </a:r>
+            <a:r>
+              <a:rPr lang="en-US" dirty="0"/>
+              <a:t> med </a:t>
+            </a:r>
+            <a:r>
+              <a:rPr lang="en-US" dirty="0" err="1"/>
+              <a:t>alla</a:t>
+            </a:r>
+            <a:r>
+              <a:rPr lang="en-US" dirty="0"/>
+              <a:t> </a:t>
+            </a:r>
+            <a:r>
+              <a:rPr lang="en-US" dirty="0" err="1"/>
+              <a:t>elsifs</a:t>
+            </a:r>
+            <a:endParaRPr lang="en-US" dirty="0"/>
+          </a:p>
+          <a:p>
+            <a:pPr marL="171450" indent="-171450">
+              <a:buFontTx/>
+              <a:buChar char="-"/>
+            </a:pPr>
+            <a:r>
+              <a:rPr lang="en-US" dirty="0" err="1"/>
+              <a:t>Slutligen</a:t>
+            </a:r>
+            <a:r>
+              <a:rPr lang="en-US" dirty="0"/>
+              <a:t> </a:t>
+            </a:r>
+            <a:r>
+              <a:rPr lang="en-US" dirty="0" err="1"/>
+              <a:t>parsas</a:t>
+            </a:r>
+            <a:r>
+              <a:rPr lang="en-US" dirty="0"/>
+              <a:t> else-</a:t>
+            </a:r>
+            <a:r>
+              <a:rPr lang="en-US" dirty="0" err="1"/>
+              <a:t>satsen</a:t>
+            </a:r>
+            <a:r>
+              <a:rPr lang="en-US" dirty="0"/>
+              <a:t> om den </a:t>
+            </a:r>
+            <a:r>
+              <a:rPr lang="en-US" dirty="0" err="1"/>
+              <a:t>finns</a:t>
+            </a:r>
+            <a:endParaRPr lang="en-US" dirty="0"/>
+          </a:p>
+          <a:p>
+            <a:pPr marL="171450" indent="-171450">
+              <a:buFontTx/>
+              <a:buChar char="-"/>
+            </a:pPr>
+            <a:r>
+              <a:rPr lang="en-US" dirty="0" err="1"/>
+              <a:t>Och</a:t>
+            </a:r>
+            <a:r>
+              <a:rPr lang="en-US" dirty="0"/>
+              <a:t> sist </a:t>
+            </a:r>
+            <a:r>
+              <a:rPr lang="en-US" dirty="0" err="1"/>
+              <a:t>skapas</a:t>
+            </a:r>
+            <a:r>
+              <a:rPr lang="en-US" dirty="0"/>
+              <a:t> If-</a:t>
+            </a:r>
+            <a:r>
+              <a:rPr lang="en-US" dirty="0" err="1"/>
+              <a:t>noden</a:t>
+            </a:r>
+            <a:r>
+              <a:rPr lang="en-US" dirty="0"/>
+              <a:t> </a:t>
+            </a:r>
+            <a:r>
+              <a:rPr lang="en-US" dirty="0" err="1"/>
+              <a:t>och</a:t>
+            </a:r>
+            <a:r>
+              <a:rPr lang="en-US" dirty="0"/>
+              <a:t> </a:t>
+            </a:r>
+            <a:r>
+              <a:rPr lang="en-US" dirty="0" err="1"/>
+              <a:t>returneras</a:t>
+            </a:r>
+            <a:endParaRPr lang="en-US" dirty="0"/>
+          </a:p>
+          <a:p>
+            <a:pPr marL="171450" indent="-171450">
+              <a:buFontTx/>
+              <a:buChar char="-"/>
+            </a:pPr>
+            <a:endParaRPr lang="en-US" dirty="0"/>
+          </a:p>
+          <a:p>
+            <a:endParaRPr lang="en-SE" dirty="0"/>
+          </a:p>
+        </p:txBody>
+      </p:sp>
+      <p:sp>
+        <p:nvSpPr>
+          <p:cNvPr id="4" name="Slide Number Placeholder 3"/>
+          <p:cNvSpPr>
+            <a:spLocks noGrp="1"/>
+          </p:cNvSpPr>
+          <p:nvPr>
+            <p:ph type="sldNum" sz="quarter" idx="5"/>
+          </p:nvPr>
+        </p:nvSpPr>
+        <p:spPr/>
+        <p:txBody>
+          <a:bodyPr/>
+          <a:lstStyle/>
+          <a:p>
+            <a:fld id="{1734D747-9380-41EE-9946-EC9EC0CA5D1E}" type="slidenum">
+              <a:rPr lang="en-US" noProof="0" smtClean="0"/>
+              <a:t>7</a:t>
+            </a:fld>
+            <a:endParaRPr lang="en-US" noProof="0" dirty="0"/>
+          </a:p>
+        </p:txBody>
+      </p:sp>
+    </p:spTree>
+    <p:extLst>
+      <p:ext uri="{BB962C8B-B14F-4D97-AF65-F5344CB8AC3E}">
+        <p14:creationId xmlns:p14="http://schemas.microsoft.com/office/powerpoint/2010/main" val="1983257935"/>
+      </p:ext>
+    </p:extLst>
+  </p:cSld>
+  <p:clrMapOvr>
+    <a:masterClrMapping/>
+  </p:clrMapOvr>
+</p:notes>
+</file>
+
+<file path=ppt/notesSlides/notesSlide6.xml><?xml version="1.0" encoding="utf-8"?>
+<p:notes xmlns:a="http://schemas.openxmlformats.org/drawingml/2006/main" xmlns:r="http://schemas.openxmlformats.org/officeDocument/2006/relationships" xmlns:p="http://schemas.openxmlformats.org/presentationml/2006/main">
+  <p:cSld>
+    <p:spTree>
+      <p:nvGrpSpPr>
+        <p:cNvPr id="1" name=""/>
+        <p:cNvGrpSpPr/>
+        <p:nvPr/>
+      </p:nvGrpSpPr>
+      <p:grpSpPr>
+        <a:xfrm>
+          <a:off x="0" y="0"/>
+          <a:ext cx="0" cy="0"/>
+          <a:chOff x="0" y="0"/>
+          <a:chExt cx="0" cy="0"/>
+        </a:xfrm>
+      </p:grpSpPr>
+      <p:sp>
+        <p:nvSpPr>
+          <p:cNvPr id="2" name="Slide Image Placeholder 1"/>
+          <p:cNvSpPr>
+            <a:spLocks noGrp="1" noRot="1" noChangeAspect="1"/>
+          </p:cNvSpPr>
+          <p:nvPr>
+            <p:ph type="sldImg"/>
+          </p:nvPr>
+        </p:nvSpPr>
+        <p:spPr/>
+      </p:sp>
+      <p:sp>
+        <p:nvSpPr>
+          <p:cNvPr id="3" name="Notes Placeholder 2"/>
+          <p:cNvSpPr>
+            <a:spLocks noGrp="1"/>
+          </p:cNvSpPr>
+          <p:nvPr>
+            <p:ph type="body" idx="1"/>
+          </p:nvPr>
+        </p:nvSpPr>
+        <p:spPr/>
+        <p:txBody>
+          <a:bodyPr/>
+          <a:lstStyle/>
+          <a:p>
+            <a:r>
+              <a:rPr lang="en-US" dirty="0"/>
+              <a:t>Det </a:t>
+            </a:r>
+            <a:r>
+              <a:rPr lang="en-US" dirty="0" err="1"/>
+              <a:t>mesta</a:t>
+            </a:r>
+            <a:r>
+              <a:rPr lang="en-US" dirty="0"/>
+              <a:t> </a:t>
+            </a:r>
+            <a:r>
+              <a:rPr lang="en-US" dirty="0" err="1"/>
+              <a:t>blev</a:t>
+            </a:r>
+            <a:r>
+              <a:rPr lang="en-US" dirty="0"/>
+              <a:t> </a:t>
+            </a:r>
+            <a:r>
+              <a:rPr lang="en-US" dirty="0" err="1"/>
+              <a:t>som</a:t>
+            </a:r>
+            <a:r>
+              <a:rPr lang="en-US" dirty="0"/>
+              <a:t> </a:t>
+            </a:r>
+            <a:r>
+              <a:rPr lang="en-US" dirty="0" err="1"/>
+              <a:t>tänkt</a:t>
+            </a:r>
+            <a:r>
+              <a:rPr lang="en-US" dirty="0"/>
+              <a:t>, </a:t>
+            </a:r>
+            <a:r>
+              <a:rPr lang="en-US" dirty="0" err="1"/>
+              <a:t>några</a:t>
+            </a:r>
+            <a:r>
+              <a:rPr lang="en-US" dirty="0"/>
+              <a:t> saker </a:t>
+            </a:r>
+            <a:r>
+              <a:rPr lang="en-US" dirty="0" err="1"/>
+              <a:t>blev</a:t>
+            </a:r>
+            <a:r>
+              <a:rPr lang="en-US" dirty="0"/>
+              <a:t> </a:t>
+            </a:r>
+            <a:r>
+              <a:rPr lang="en-US" dirty="0" err="1"/>
+              <a:t>inte</a:t>
+            </a:r>
+            <a:r>
+              <a:rPr lang="en-US" dirty="0"/>
+              <a:t> </a:t>
+            </a:r>
+            <a:r>
+              <a:rPr lang="en-US" dirty="0" err="1"/>
+              <a:t>helt</a:t>
+            </a:r>
+            <a:r>
+              <a:rPr lang="en-US" dirty="0"/>
+              <a:t> </a:t>
+            </a:r>
+            <a:r>
+              <a:rPr lang="en-US" dirty="0" err="1"/>
+              <a:t>klara</a:t>
+            </a:r>
+            <a:r>
+              <a:rPr lang="en-US" dirty="0"/>
+              <a:t> </a:t>
+            </a:r>
+            <a:r>
+              <a:rPr lang="en-US" dirty="0" err="1"/>
+              <a:t>eller</a:t>
+            </a:r>
+            <a:r>
+              <a:rPr lang="en-US" dirty="0"/>
+              <a:t> </a:t>
+            </a:r>
+            <a:r>
+              <a:rPr lang="en-US" dirty="0" err="1"/>
+              <a:t>fungerade</a:t>
+            </a:r>
+            <a:r>
+              <a:rPr lang="en-US" dirty="0"/>
+              <a:t> </a:t>
+            </a:r>
+            <a:r>
+              <a:rPr lang="en-US" dirty="0" err="1"/>
+              <a:t>helt</a:t>
+            </a:r>
+            <a:r>
+              <a:rPr lang="en-US" dirty="0"/>
+              <a:t> </a:t>
+            </a:r>
+            <a:r>
+              <a:rPr lang="en-US" dirty="0" err="1"/>
+              <a:t>som</a:t>
+            </a:r>
+            <a:r>
+              <a:rPr lang="en-US" dirty="0"/>
+              <a:t> </a:t>
+            </a:r>
+            <a:r>
+              <a:rPr lang="en-US" dirty="0" err="1"/>
+              <a:t>tänkt</a:t>
+            </a:r>
+            <a:r>
+              <a:rPr lang="en-US" dirty="0"/>
+              <a:t>.</a:t>
+            </a:r>
+          </a:p>
+          <a:p>
+            <a:endParaRPr lang="en-US" dirty="0"/>
+          </a:p>
+          <a:p>
+            <a:r>
+              <a:rPr lang="en-US" dirty="0" err="1"/>
+              <a:t>Några</a:t>
+            </a:r>
+            <a:r>
+              <a:rPr lang="en-US" dirty="0"/>
+              <a:t> problem </a:t>
+            </a:r>
+            <a:r>
+              <a:rPr lang="en-US" dirty="0" err="1"/>
+              <a:t>i</a:t>
+            </a:r>
+            <a:r>
+              <a:rPr lang="en-US" dirty="0"/>
+              <a:t> </a:t>
+            </a:r>
+            <a:r>
+              <a:rPr lang="en-US" dirty="0" err="1"/>
+              <a:t>slutet</a:t>
+            </a:r>
+            <a:endParaRPr lang="en-US" dirty="0"/>
+          </a:p>
+          <a:p>
+            <a:r>
+              <a:rPr lang="en-US" dirty="0" err="1"/>
+              <a:t>Arrayer</a:t>
+            </a:r>
+            <a:r>
+              <a:rPr lang="en-US" dirty="0"/>
+              <a:t> </a:t>
+            </a:r>
+            <a:r>
+              <a:rPr lang="en-US" dirty="0" err="1"/>
+              <a:t>kan</a:t>
+            </a:r>
+            <a:r>
+              <a:rPr lang="en-US" dirty="0"/>
+              <a:t> </a:t>
+            </a:r>
+            <a:r>
+              <a:rPr lang="en-US" dirty="0" err="1"/>
+              <a:t>inte</a:t>
+            </a:r>
+            <a:r>
+              <a:rPr lang="en-US" dirty="0"/>
+              <a:t> </a:t>
+            </a:r>
+            <a:r>
+              <a:rPr lang="en-US" dirty="0" err="1"/>
+              <a:t>bestå</a:t>
+            </a:r>
+            <a:r>
+              <a:rPr lang="en-US" dirty="0"/>
+              <a:t> av </a:t>
+            </a:r>
+            <a:r>
+              <a:rPr lang="en-US" dirty="0" err="1"/>
+              <a:t>andra</a:t>
+            </a:r>
+            <a:r>
+              <a:rPr lang="en-US" dirty="0"/>
+              <a:t> containers</a:t>
+            </a:r>
+          </a:p>
+          <a:p>
+            <a:r>
+              <a:rPr lang="en-US" dirty="0" err="1"/>
+              <a:t>Hittade</a:t>
+            </a:r>
+            <a:r>
+              <a:rPr lang="en-US" dirty="0"/>
+              <a:t> </a:t>
+            </a:r>
+            <a:r>
+              <a:rPr lang="en-US" dirty="0" err="1"/>
+              <a:t>felet</a:t>
+            </a:r>
+            <a:r>
+              <a:rPr lang="en-US" dirty="0"/>
+              <a:t> </a:t>
+            </a:r>
+            <a:r>
+              <a:rPr lang="en-US" dirty="0" err="1"/>
+              <a:t>snabbt</a:t>
+            </a:r>
+            <a:endParaRPr lang="en-US" dirty="0"/>
+          </a:p>
+          <a:p>
+            <a:pPr marL="171450" indent="-171450">
+              <a:buFontTx/>
+              <a:buChar char="-"/>
+            </a:pPr>
+            <a:r>
+              <a:rPr lang="en-US" dirty="0"/>
+              <a:t>Var </a:t>
+            </a:r>
+            <a:r>
+              <a:rPr lang="en-US" dirty="0" err="1"/>
+              <a:t>en</a:t>
+            </a:r>
+            <a:r>
+              <a:rPr lang="en-US" dirty="0"/>
+              <a:t> </a:t>
+            </a:r>
+            <a:r>
+              <a:rPr lang="en-US" dirty="0" err="1"/>
+              <a:t>jämförelse</a:t>
+            </a:r>
+            <a:r>
+              <a:rPr lang="en-US" dirty="0"/>
+              <a:t> </a:t>
+            </a:r>
+            <a:r>
+              <a:rPr lang="en-US" dirty="0" err="1"/>
+              <a:t>mellan</a:t>
+            </a:r>
+            <a:r>
+              <a:rPr lang="en-US" dirty="0"/>
+              <a:t> </a:t>
+            </a:r>
+            <a:r>
+              <a:rPr lang="en-US" dirty="0" err="1"/>
+              <a:t>en</a:t>
+            </a:r>
+            <a:r>
+              <a:rPr lang="en-US" dirty="0"/>
+              <a:t> </a:t>
+            </a:r>
+            <a:r>
+              <a:rPr lang="en-US" dirty="0" err="1"/>
+              <a:t>sträng</a:t>
+            </a:r>
+            <a:r>
+              <a:rPr lang="en-US" dirty="0"/>
+              <a:t> </a:t>
+            </a:r>
+            <a:r>
+              <a:rPr lang="en-US" dirty="0" err="1"/>
+              <a:t>och</a:t>
+            </a:r>
+            <a:r>
+              <a:rPr lang="en-US" dirty="0"/>
+              <a:t> symbol </a:t>
+            </a:r>
+            <a:r>
+              <a:rPr lang="en-US" dirty="0" err="1"/>
+              <a:t>vilket</a:t>
+            </a:r>
+            <a:r>
+              <a:rPr lang="en-US" dirty="0"/>
+              <a:t> </a:t>
+            </a:r>
+            <a:r>
+              <a:rPr lang="en-US" dirty="0" err="1"/>
+              <a:t>blir</a:t>
+            </a:r>
+            <a:r>
+              <a:rPr lang="en-US" dirty="0"/>
+              <a:t> false I Ruby</a:t>
+            </a:r>
+          </a:p>
+          <a:p>
+            <a:pPr marL="171450" marR="0" lvl="0" indent="-171450" algn="l" defTabSz="914400" rtl="0" eaLnBrk="1" fontAlgn="auto" latinLnBrk="0" hangingPunct="1">
+              <a:lnSpc>
+                <a:spcPct val="100000"/>
+              </a:lnSpc>
+              <a:spcBef>
+                <a:spcPts val="0"/>
+              </a:spcBef>
+              <a:spcAft>
+                <a:spcPts val="0"/>
+              </a:spcAft>
+              <a:buClrTx/>
+              <a:buSzTx/>
+              <a:buFontTx/>
+              <a:buChar char="-"/>
+              <a:tabLst/>
+              <a:defRPr/>
+            </a:pPr>
+            <a:r>
+              <a:rPr lang="en-US" dirty="0"/>
+              <a:t>Hade </a:t>
+            </a:r>
+            <a:r>
+              <a:rPr lang="en-US" dirty="0" err="1"/>
+              <a:t>gått</a:t>
+            </a:r>
+            <a:r>
+              <a:rPr lang="en-US" dirty="0"/>
+              <a:t> </a:t>
+            </a:r>
+            <a:r>
+              <a:rPr lang="en-US" dirty="0" err="1"/>
+              <a:t>att</a:t>
+            </a:r>
+            <a:r>
+              <a:rPr lang="en-US" dirty="0"/>
+              <a:t> </a:t>
+            </a:r>
+            <a:r>
+              <a:rPr lang="en-US" dirty="0" err="1"/>
+              <a:t>lösa</a:t>
+            </a:r>
+            <a:r>
+              <a:rPr lang="en-US" dirty="0"/>
+              <a:t> med lite </a:t>
+            </a:r>
+            <a:r>
+              <a:rPr lang="en-US" dirty="0" err="1"/>
+              <a:t>mer</a:t>
+            </a:r>
+            <a:r>
+              <a:rPr lang="en-US" dirty="0"/>
+              <a:t> </a:t>
+            </a:r>
+            <a:r>
+              <a:rPr lang="en-US"/>
+              <a:t>tid</a:t>
+            </a:r>
+            <a:endParaRPr lang="en-SE" dirty="0"/>
+          </a:p>
+        </p:txBody>
+      </p:sp>
+      <p:sp>
+        <p:nvSpPr>
+          <p:cNvPr id="4" name="Slide Number Placeholder 3"/>
+          <p:cNvSpPr>
+            <a:spLocks noGrp="1"/>
+          </p:cNvSpPr>
+          <p:nvPr>
+            <p:ph type="sldNum" sz="quarter" idx="5"/>
+          </p:nvPr>
+        </p:nvSpPr>
+        <p:spPr/>
+        <p:txBody>
+          <a:bodyPr/>
+          <a:lstStyle/>
+          <a:p>
+            <a:fld id="{1734D747-9380-41EE-9946-EC9EC0CA5D1E}" type="slidenum">
+              <a:rPr lang="en-US" noProof="0" smtClean="0"/>
+              <a:t>8</a:t>
+            </a:fld>
+            <a:endParaRPr lang="en-US" noProof="0" dirty="0"/>
+          </a:p>
+        </p:txBody>
+      </p:sp>
+    </p:spTree>
+    <p:extLst>
+      <p:ext uri="{BB962C8B-B14F-4D97-AF65-F5344CB8AC3E}">
+        <p14:creationId xmlns:p14="http://schemas.microsoft.com/office/powerpoint/2010/main" val="317538681"/>
       </p:ext>
     </p:extLst>
   </p:cSld>
@@ -28315,7 +29988,7 @@
           <p:cNvPr id="2" name="Title 1">
             <a:extLst>
               <a:ext uri="{FF2B5EF4-FFF2-40B4-BE49-F238E27FC236}">
-                <a16:creationId xmlns:a16="http://schemas.microsoft.com/office/drawing/2014/main" id="{B2125DFF-0AB8-DC62-AA36-B0878F6A6E05}"/>
+                <a16:creationId xmlns:a16="http://schemas.microsoft.com/office/drawing/2014/main" id="{EA3D1FAB-3847-1273-A7F0-E7E08EB1C4DB}"/>
               </a:ext>
             </a:extLst>
           </p:cNvPr>
@@ -28349,7 +30022,7 @@
             </a:r>
             <a:r>
               <a:rPr lang="en-US" dirty="0" err="1"/>
-              <a:t>klass</a:t>
+              <a:t>funktion</a:t>
             </a:r>
             <a:endParaRPr lang="en-SE" dirty="0"/>
           </a:p>
@@ -28360,7 +30033,7 @@
           <p:cNvPr id="3" name="Slide Number Placeholder 2">
             <a:extLst>
               <a:ext uri="{FF2B5EF4-FFF2-40B4-BE49-F238E27FC236}">
-                <a16:creationId xmlns:a16="http://schemas.microsoft.com/office/drawing/2014/main" id="{3BA1D8EE-3067-DED2-C7B4-199A88468303}"/>
+                <a16:creationId xmlns:a16="http://schemas.microsoft.com/office/drawing/2014/main" id="{BFB1AEEE-F1E8-9F57-4A7B-941CCF88617D}"/>
               </a:ext>
             </a:extLst>
           </p:cNvPr>
@@ -28385,35 +30058,39 @@
           </a:p>
         </p:txBody>
       </p:sp>
-      <p:sp>
-        <p:nvSpPr>
-          <p:cNvPr id="5" name="Content Placeholder 4">
+      <p:pic>
+        <p:nvPicPr>
+          <p:cNvPr id="10" name="Content Placeholder 9">
             <a:extLst>
               <a:ext uri="{FF2B5EF4-FFF2-40B4-BE49-F238E27FC236}">
-                <a16:creationId xmlns:a16="http://schemas.microsoft.com/office/drawing/2014/main" id="{7C9AFFFB-6D78-FF07-8E45-2D7F5265D714}"/>
+                <a16:creationId xmlns:a16="http://schemas.microsoft.com/office/drawing/2014/main" id="{EE0E76E7-8C2C-A074-15E8-DE5D22D64090}"/>
               </a:ext>
             </a:extLst>
           </p:cNvPr>
-          <p:cNvSpPr>
-            <a:spLocks noGrp="1"/>
-          </p:cNvSpPr>
+          <p:cNvPicPr>
+            <a:picLocks noGrp="1" noChangeAspect="1"/>
+          </p:cNvPicPr>
           <p:nvPr>
             <p:ph idx="1"/>
           </p:nvPr>
-        </p:nvSpPr>
-        <p:spPr/>
-        <p:txBody>
-          <a:bodyPr/>
-          <a:lstStyle/>
-          <a:p>
-            <a:endParaRPr lang="en-SE"/>
-          </a:p>
-        </p:txBody>
-      </p:sp>
+        </p:nvPicPr>
+        <p:blipFill>
+          <a:blip r:embed="rId2"/>
+          <a:stretch>
+            <a:fillRect/>
+          </a:stretch>
+        </p:blipFill>
+        <p:spPr>
+          <a:xfrm>
+            <a:off x="3273553" y="1969310"/>
+            <a:ext cx="5644894" cy="3573272"/>
+          </a:xfrm>
+        </p:spPr>
+      </p:pic>
     </p:spTree>
     <p:extLst>
       <p:ext uri="{BB962C8B-B14F-4D97-AF65-F5344CB8AC3E}">
-        <p14:creationId xmlns:p14="http://schemas.microsoft.com/office/powerpoint/2010/main" val="2694305780"/>
+        <p14:creationId xmlns:p14="http://schemas.microsoft.com/office/powerpoint/2010/main" val="844815458"/>
       </p:ext>
     </p:extLst>
   </p:cSld>
@@ -28457,7 +30134,7 @@
           <p:cNvPr id="2" name="Title 1">
             <a:extLst>
               <a:ext uri="{FF2B5EF4-FFF2-40B4-BE49-F238E27FC236}">
-                <a16:creationId xmlns:a16="http://schemas.microsoft.com/office/drawing/2014/main" id="{EA3D1FAB-3847-1273-A7F0-E7E08EB1C4DB}"/>
+                <a16:creationId xmlns:a16="http://schemas.microsoft.com/office/drawing/2014/main" id="{B2125DFF-0AB8-DC62-AA36-B0878F6A6E05}"/>
               </a:ext>
             </a:extLst>
           </p:cNvPr>
@@ -28491,7 +30168,7 @@
             </a:r>
             <a:r>
               <a:rPr lang="en-US" dirty="0" err="1"/>
-              <a:t>funktion</a:t>
+              <a:t>klass</a:t>
             </a:r>
             <a:endParaRPr lang="en-SE" dirty="0"/>
           </a:p>
@@ -28502,7 +30179,7 @@
           <p:cNvPr id="3" name="Slide Number Placeholder 2">
             <a:extLst>
               <a:ext uri="{FF2B5EF4-FFF2-40B4-BE49-F238E27FC236}">
-                <a16:creationId xmlns:a16="http://schemas.microsoft.com/office/drawing/2014/main" id="{BFB1AEEE-F1E8-9F57-4A7B-941CCF88617D}"/>
+                <a16:creationId xmlns:a16="http://schemas.microsoft.com/office/drawing/2014/main" id="{3BA1D8EE-3067-DED2-C7B4-199A88468303}"/>
               </a:ext>
             </a:extLst>
           </p:cNvPr>
@@ -28527,48 +30204,52 @@
           </a:p>
         </p:txBody>
       </p:sp>
-      <p:sp>
-        <p:nvSpPr>
-          <p:cNvPr id="4" name="Content Placeholder 3">
+      <p:pic>
+        <p:nvPicPr>
+          <p:cNvPr id="10" name="Content Placeholder 9">
             <a:extLst>
               <a:ext uri="{FF2B5EF4-FFF2-40B4-BE49-F238E27FC236}">
-                <a16:creationId xmlns:a16="http://schemas.microsoft.com/office/drawing/2014/main" id="{6EAAFFCF-CE34-8EAE-881B-B24520D5ABC5}"/>
+                <a16:creationId xmlns:a16="http://schemas.microsoft.com/office/drawing/2014/main" id="{F60E710B-97A5-D968-3491-E1B8CED4CDD7}"/>
               </a:ext>
             </a:extLst>
           </p:cNvPr>
-          <p:cNvSpPr>
-            <a:spLocks noGrp="1"/>
-          </p:cNvSpPr>
+          <p:cNvPicPr>
+            <a:picLocks noGrp="1" noChangeAspect="1"/>
+          </p:cNvPicPr>
           <p:nvPr>
             <p:ph idx="1"/>
           </p:nvPr>
-        </p:nvSpPr>
-        <p:spPr/>
-        <p:txBody>
-          <a:bodyPr/>
-          <a:lstStyle/>
-          <a:p>
-            <a:endParaRPr lang="en-SE"/>
-          </a:p>
-        </p:txBody>
-      </p:sp>
+        </p:nvPicPr>
+        <p:blipFill>
+          <a:blip r:embed="rId2"/>
+          <a:stretch>
+            <a:fillRect/>
+          </a:stretch>
+        </p:blipFill>
+        <p:spPr>
+          <a:xfrm>
+            <a:off x="4339319" y="1366832"/>
+            <a:ext cx="3124386" cy="4809449"/>
+          </a:xfrm>
+        </p:spPr>
+      </p:pic>
     </p:spTree>
     <p:extLst>
       <p:ext uri="{BB962C8B-B14F-4D97-AF65-F5344CB8AC3E}">
-        <p14:creationId xmlns:p14="http://schemas.microsoft.com/office/powerpoint/2010/main" val="844815458"/>
+        <p14:creationId xmlns:p14="http://schemas.microsoft.com/office/powerpoint/2010/main" val="2694305780"/>
       </p:ext>
     </p:extLst>
   </p:cSld>
   <p:clrMapOvr>
     <a:masterClrMapping/>
   </p:clrMapOvr>
-  <mc:AlternateContent xmlns:mc="http://schemas.openxmlformats.org/markup-compatibility/2006">
-    <mc:Choice xmlns:p14="http://schemas.microsoft.com/office/powerpoint/2010/main" Requires="p14">
+  <mc:AlternateContent xmlns:mc="http://schemas.openxmlformats.org/markup-compatibility/2006" xmlns:p14="http://schemas.microsoft.com/office/powerpoint/2010/main">
+    <mc:Choice Requires="p14">
       <p:transition spd="med" p14:dur="700">
         <p:fade/>
       </p:transition>
     </mc:Choice>
-    <mc:Fallback>
+    <mc:Fallback xmlns="">
       <p:transition spd="med">
         <p:fade/>
       </p:transition>
@@ -29177,7 +30858,7 @@
         </p:xfrm>
         <a:graphic>
           <a:graphicData uri="http://schemas.openxmlformats.org/drawingml/2006/diagram">
-            <dgm:relIds xmlns:dgm="http://schemas.openxmlformats.org/drawingml/2006/diagram" xmlns:r="http://schemas.openxmlformats.org/officeDocument/2006/relationships" r:dm="rId2" r:lo="rId3" r:qs="rId4" r:cs="rId5"/>
+            <dgm:relIds xmlns:dgm="http://schemas.openxmlformats.org/drawingml/2006/diagram" xmlns:r="http://schemas.openxmlformats.org/officeDocument/2006/relationships" r:dm="rId3" r:lo="rId4" r:qs="rId5" r:cs="rId6"/>
           </a:graphicData>
         </a:graphic>
       </p:graphicFrame>
@@ -30188,7 +31869,7 @@
           </p:nvPr>
         </p:nvPicPr>
         <p:blipFill>
-          <a:blip r:embed="rId2"/>
+          <a:blip r:embed="rId3"/>
           <a:stretch>
             <a:fillRect/>
           </a:stretch>
@@ -30217,7 +31898,7 @@
           </p:nvPr>
         </p:nvPicPr>
         <p:blipFill>
-          <a:blip r:embed="rId3"/>
+          <a:blip r:embed="rId4"/>
           <a:stretch>
             <a:fillRect/>
           </a:stretch>
@@ -30563,13 +32244,13 @@
   <p:clrMapOvr>
     <a:masterClrMapping/>
   </p:clrMapOvr>
-  <mc:AlternateContent xmlns:mc="http://schemas.openxmlformats.org/markup-compatibility/2006">
-    <mc:Choice xmlns:p14="http://schemas.microsoft.com/office/powerpoint/2010/main" Requires="p14">
+  <mc:AlternateContent xmlns:mc="http://schemas.openxmlformats.org/markup-compatibility/2006" xmlns:p14="http://schemas.microsoft.com/office/powerpoint/2010/main">
+    <mc:Choice Requires="p14">
       <p:transition spd="med" p14:dur="700">
         <p:fade/>
       </p:transition>
     </mc:Choice>
-    <mc:Fallback>
+    <mc:Fallback xmlns="">
       <p:transition spd="med">
         <p:fade/>
       </p:transition>
@@ -30689,13 +32370,13 @@
   <p:clrMapOvr>
     <a:masterClrMapping/>
   </p:clrMapOvr>
-  <mc:AlternateContent xmlns:mc="http://schemas.openxmlformats.org/markup-compatibility/2006">
-    <mc:Choice xmlns:p14="http://schemas.microsoft.com/office/powerpoint/2010/main" Requires="p14">
+  <mc:AlternateContent xmlns:mc="http://schemas.openxmlformats.org/markup-compatibility/2006" xmlns:p14="http://schemas.microsoft.com/office/powerpoint/2010/main">
+    <mc:Choice Requires="p14">
       <p:transition spd="med" p14:dur="700">
         <p:fade/>
       </p:transition>
     </mc:Choice>
-    <mc:Fallback>
+    <mc:Fallback xmlns="">
       <p:transition spd="med">
         <p:fade/>
       </p:transition>
@@ -31496,6 +33177,15 @@
 </file>
 
 <file path=customXml/item1.xml><?xml version="1.0" encoding="utf-8"?>
+<?mso-contentType ?>
+<FormTemplates xmlns="http://schemas.microsoft.com/sharepoint/v3/contenttype/forms">
+  <Display>DocumentLibraryForm</Display>
+  <Edit>DocumentLibraryForm</Edit>
+  <New>DocumentLibraryForm</New>
+</FormTemplates>
+</file>
+
+<file path=customXml/item2.xml><?xml version="1.0" encoding="utf-8"?>
 <ct:contentTypeSchema xmlns:ct="http://schemas.microsoft.com/office/2006/metadata/contentType" xmlns:ma="http://schemas.microsoft.com/office/2006/metadata/properties/metaAttributes" ct:_="" ma:_="" ma:contentTypeName="Document" ma:contentTypeID="0x01010079F111ED35F8CC479449609E8A0923A6" ma:contentTypeVersion="11" ma:contentTypeDescription="Create a new document." ma:contentTypeScope="" ma:versionID="96291512c1ee715ab617f4c07df79fc1">
   <xsd:schema xmlns:xsd="http://www.w3.org/2001/XMLSchema" xmlns:xs="http://www.w3.org/2001/XMLSchema" xmlns:p="http://schemas.microsoft.com/office/2006/metadata/properties" xmlns:ns2="71af3243-3dd4-4a8d-8c0d-dd76da1f02a5" xmlns:ns3="16c05727-aa75-4e4a-9b5f-8a80a1165891" targetNamespace="http://schemas.microsoft.com/office/2006/metadata/properties" ma:root="true" ma:fieldsID="8256c27c40ca5c40ce1cf6c44f0205df" ns2:_="" ns3:_="">
     <xsd:import namespace="71af3243-3dd4-4a8d-8c0d-dd76da1f02a5"/>
@@ -31706,15 +33396,6 @@
 </ct:contentTypeSchema>
 </file>
 
-<file path=customXml/item2.xml><?xml version="1.0" encoding="utf-8"?>
-<?mso-contentType ?>
-<FormTemplates xmlns="http://schemas.microsoft.com/sharepoint/v3/contenttype/forms">
-  <Display>DocumentLibraryForm</Display>
-  <Edit>DocumentLibraryForm</Edit>
-  <New>DocumentLibraryForm</New>
-</FormTemplates>
-</file>
-
 <file path=customXml/item3.xml><?xml version="1.0" encoding="utf-8"?>
 <p:properties xmlns:p="http://schemas.microsoft.com/office/2006/metadata/properties" xmlns:xsi="http://www.w3.org/2001/XMLSchema-instance" xmlns:pc="http://schemas.microsoft.com/office/infopath/2007/PartnerControls">
   <documentManagement>
@@ -31724,6 +33405,14 @@
 </file>
 
 <file path=customXml/itemProps1.xml><?xml version="1.0" encoding="utf-8"?>
+<ds:datastoreItem xmlns:ds="http://schemas.openxmlformats.org/officeDocument/2006/customXml" ds:itemID="{5B26E0C9-B2AA-42E6-97B6-E1B7D9EAF129}">
+  <ds:schemaRefs>
+    <ds:schemaRef ds:uri="http://schemas.microsoft.com/sharepoint/v3/contenttype/forms"/>
+  </ds:schemaRefs>
+</ds:datastoreItem>
+</file>
+
+<file path=customXml/itemProps2.xml><?xml version="1.0" encoding="utf-8"?>
 <ds:datastoreItem xmlns:ds="http://schemas.openxmlformats.org/officeDocument/2006/customXml" ds:itemID="{4C103400-4A22-4E35-B588-4C4D42638959}">
   <ds:schemaRefs>
     <ds:schemaRef ds:uri="http://schemas.microsoft.com/office/2006/metadata/contentType"/>
@@ -31742,14 +33431,6 @@
 </ds:datastoreItem>
 </file>
 
-<file path=customXml/itemProps2.xml><?xml version="1.0" encoding="utf-8"?>
-<ds:datastoreItem xmlns:ds="http://schemas.openxmlformats.org/officeDocument/2006/customXml" ds:itemID="{5B26E0C9-B2AA-42E6-97B6-E1B7D9EAF129}">
-  <ds:schemaRefs>
-    <ds:schemaRef ds:uri="http://schemas.microsoft.com/sharepoint/v3/contenttype/forms"/>
-  </ds:schemaRefs>
-</ds:datastoreItem>
-</file>
-
 <file path=customXml/itemProps3.xml><?xml version="1.0" encoding="utf-8"?>
 <ds:datastoreItem xmlns:ds="http://schemas.openxmlformats.org/officeDocument/2006/customXml" ds:itemID="{F5757914-1161-4661-9696-421FD6935CDD}">
   <ds:schemaRefs>
